--- a/slides/intro_spectrometry.pptx
+++ b/slides/intro_spectrometry.pptx
@@ -7,6 +7,13 @@
   <p:sldIdLst>
     <p:sldId id="258" r:id="rId2"/>
     <p:sldId id="259" r:id="rId3"/>
+    <p:sldId id="261" r:id="rId4"/>
+    <p:sldId id="266" r:id="rId5"/>
+    <p:sldId id="262" r:id="rId6"/>
+    <p:sldId id="263" r:id="rId7"/>
+    <p:sldId id="264" r:id="rId8"/>
+    <p:sldId id="265" r:id="rId9"/>
+    <p:sldId id="267" r:id="rId10"/>
   </p:sldIdLst>
   <p:sldSz cx="12192000" cy="6858000"/>
   <p:notesSz cx="6858000" cy="9144000"/>
@@ -269,7 +276,7 @@
           <a:p>
             <a:fld id="{02AC24A9-CCB6-4F8D-B8DB-C2F3692CFA5A}" type="datetimeFigureOut">
               <a:rPr lang="en-US" smtClean="0"/>
-              <a:t>9/26/24</a:t>
+              <a:t>9/27/24</a:t>
             </a:fld>
             <a:endParaRPr lang="en-US" dirty="0"/>
           </a:p>
@@ -639,7 +646,7 @@
           <a:p>
             <a:fld id="{02AC24A9-CCB6-4F8D-B8DB-C2F3692CFA5A}" type="datetimeFigureOut">
               <a:rPr lang="en-US" smtClean="0"/>
-              <a:t>9/26/24</a:t>
+              <a:t>9/27/24</a:t>
             </a:fld>
             <a:endParaRPr lang="en-US"/>
           </a:p>
@@ -848,7 +855,7 @@
           <a:p>
             <a:fld id="{02AC24A9-CCB6-4F8D-B8DB-C2F3692CFA5A}" type="datetimeFigureOut">
               <a:rPr lang="en-US" smtClean="0"/>
-              <a:t>9/26/24</a:t>
+              <a:t>9/27/24</a:t>
             </a:fld>
             <a:endParaRPr lang="en-US"/>
           </a:p>
@@ -1318,7 +1325,7 @@
           <a:p>
             <a:fld id="{02AC24A9-CCB6-4F8D-B8DB-C2F3692CFA5A}" type="datetimeFigureOut">
               <a:rPr lang="en-US" smtClean="0"/>
-              <a:t>9/26/24</a:t>
+              <a:t>9/27/24</a:t>
             </a:fld>
             <a:endParaRPr lang="en-US"/>
           </a:p>
@@ -1772,7 +1779,7 @@
           <a:p>
             <a:fld id="{02AC24A9-CCB6-4F8D-B8DB-C2F3692CFA5A}" type="datetimeFigureOut">
               <a:rPr lang="en-US" smtClean="0"/>
-              <a:t>9/26/24</a:t>
+              <a:t>9/27/24</a:t>
             </a:fld>
             <a:endParaRPr lang="en-US"/>
           </a:p>
@@ -2304,7 +2311,7 @@
           <a:p>
             <a:fld id="{02AC24A9-CCB6-4F8D-B8DB-C2F3692CFA5A}" type="datetimeFigureOut">
               <a:rPr lang="en-US" smtClean="0"/>
-              <a:t>9/26/24</a:t>
+              <a:t>9/27/24</a:t>
             </a:fld>
             <a:endParaRPr lang="en-US"/>
           </a:p>
@@ -3003,7 +3010,7 @@
           <a:p>
             <a:fld id="{02AC24A9-CCB6-4F8D-B8DB-C2F3692CFA5A}" type="datetimeFigureOut">
               <a:rPr lang="en-US" smtClean="0"/>
-              <a:t>9/26/24</a:t>
+              <a:t>9/27/24</a:t>
             </a:fld>
             <a:endParaRPr lang="en-US"/>
           </a:p>
@@ -3332,7 +3339,7 @@
           <a:p>
             <a:fld id="{02AC24A9-CCB6-4F8D-B8DB-C2F3692CFA5A}" type="datetimeFigureOut">
               <a:rPr lang="en-US" smtClean="0"/>
-              <a:t>9/26/24</a:t>
+              <a:t>9/27/24</a:t>
             </a:fld>
             <a:endParaRPr lang="en-US"/>
           </a:p>
@@ -3445,7 +3452,7 @@
           <a:p>
             <a:fld id="{02AC24A9-CCB6-4F8D-B8DB-C2F3692CFA5A}" type="datetimeFigureOut">
               <a:rPr lang="en-US" smtClean="0"/>
-              <a:t>9/26/24</a:t>
+              <a:t>9/27/24</a:t>
             </a:fld>
             <a:endParaRPr lang="en-US"/>
           </a:p>
@@ -3940,7 +3947,7 @@
           <a:p>
             <a:fld id="{02AC24A9-CCB6-4F8D-B8DB-C2F3692CFA5A}" type="datetimeFigureOut">
               <a:rPr lang="en-US" smtClean="0"/>
-              <a:t>9/26/24</a:t>
+              <a:t>9/27/24</a:t>
             </a:fld>
             <a:endParaRPr lang="en-US" dirty="0"/>
           </a:p>
@@ -4417,7 +4424,7 @@
           <a:p>
             <a:fld id="{02AC24A9-CCB6-4F8D-B8DB-C2F3692CFA5A}" type="datetimeFigureOut">
               <a:rPr lang="en-US" smtClean="0"/>
-              <a:t>9/26/24</a:t>
+              <a:t>9/27/24</a:t>
             </a:fld>
             <a:endParaRPr lang="en-US"/>
           </a:p>
@@ -4660,7 +4667,7 @@
           <a:p>
             <a:fld id="{02AC24A9-CCB6-4F8D-B8DB-C2F3692CFA5A}" type="datetimeFigureOut">
               <a:rPr lang="en-US" smtClean="0"/>
-              <a:t>9/26/24</a:t>
+              <a:t>9/27/24</a:t>
             </a:fld>
             <a:endParaRPr lang="en-US"/>
           </a:p>
@@ -5106,11 +5113,302 @@
           <a:p>
             <a:r>
               <a:rPr lang="en-AU" dirty="0"/>
-              <a:t>Spectrometry</a:t>
-            </a:r>
-          </a:p>
-        </p:txBody>
-      </p:sp>
+              <a:t>Spectrometry: the basics</a:t>
+            </a:r>
+          </a:p>
+        </p:txBody>
+      </p:sp>
+      <p:pic>
+        <p:nvPicPr>
+          <p:cNvPr id="4098" name="Picture 2" descr="Basic Reflection Spectroscopy Setup - YouTube">
+            <a:extLst>
+              <a:ext uri="{FF2B5EF4-FFF2-40B4-BE49-F238E27FC236}">
+                <a16:creationId xmlns:a16="http://schemas.microsoft.com/office/drawing/2014/main" id="{7207EF19-E2BA-9132-89F2-EDFEE9BC2516}"/>
+              </a:ext>
+            </a:extLst>
+          </p:cNvPr>
+          <p:cNvPicPr>
+            <a:picLocks noChangeAspect="1" noChangeArrowheads="1"/>
+          </p:cNvPicPr>
+          <p:nvPr/>
+        </p:nvPicPr>
+        <p:blipFill>
+          <a:blip r:embed="rId2">
+            <a:extLst>
+              <a:ext uri="{28A0092B-C50C-407E-A947-70E740481C1C}">
+                <a14:useLocalDpi xmlns:a14="http://schemas.microsoft.com/office/drawing/2010/main" val="0"/>
+              </a:ext>
+            </a:extLst>
+          </a:blip>
+          <a:srcRect/>
+          <a:stretch>
+            <a:fillRect/>
+          </a:stretch>
+        </p:blipFill>
+        <p:spPr bwMode="auto">
+          <a:xfrm>
+            <a:off x="2768740" y="2954859"/>
+            <a:ext cx="6246430" cy="3514755"/>
+          </a:xfrm>
+          <a:prstGeom prst="rect">
+            <a:avLst/>
+          </a:prstGeom>
+          <a:noFill/>
+          <a:extLst>
+            <a:ext uri="{909E8E84-426E-40DD-AFC4-6F175D3DCCD1}">
+              <a14:hiddenFill xmlns:a14="http://schemas.microsoft.com/office/drawing/2010/main">
+                <a:solidFill>
+                  <a:srgbClr val="FFFFFF"/>
+                </a:solidFill>
+              </a14:hiddenFill>
+            </a:ext>
+          </a:extLst>
+        </p:spPr>
+      </p:pic>
+      <p:sp>
+        <p:nvSpPr>
+          <p:cNvPr id="4" name="TextBox 3">
+            <a:extLst>
+              <a:ext uri="{FF2B5EF4-FFF2-40B4-BE49-F238E27FC236}">
+                <a16:creationId xmlns:a16="http://schemas.microsoft.com/office/drawing/2014/main" id="{0CAB7135-4B02-8E58-28DD-57B1BD45EDA8}"/>
+              </a:ext>
+            </a:extLst>
+          </p:cNvPr>
+          <p:cNvSpPr txBox="1"/>
+          <p:nvPr/>
+        </p:nvSpPr>
+        <p:spPr>
+          <a:xfrm>
+            <a:off x="9138602" y="3649686"/>
+            <a:ext cx="1834197" cy="461665"/>
+          </a:xfrm>
+          <a:prstGeom prst="rect">
+            <a:avLst/>
+          </a:prstGeom>
+          <a:noFill/>
+        </p:spPr>
+        <p:txBody>
+          <a:bodyPr wrap="square">
+            <a:spAutoFit/>
+          </a:bodyPr>
+          <a:lstStyle/>
+          <a:p>
+            <a:r>
+              <a:rPr lang="en-AU" sz="2400" dirty="0">
+                <a:solidFill>
+                  <a:srgbClr val="0E0E0E"/>
+                </a:solidFill>
+                <a:effectLst/>
+              </a:rPr>
+              <a:t>Light</a:t>
+            </a:r>
+          </a:p>
+        </p:txBody>
+      </p:sp>
+      <p:sp>
+        <p:nvSpPr>
+          <p:cNvPr id="5" name="TextBox 4">
+            <a:extLst>
+              <a:ext uri="{FF2B5EF4-FFF2-40B4-BE49-F238E27FC236}">
+                <a16:creationId xmlns:a16="http://schemas.microsoft.com/office/drawing/2014/main" id="{7219F806-D6FE-C318-5C89-6277FC6048AA}"/>
+              </a:ext>
+            </a:extLst>
+          </p:cNvPr>
+          <p:cNvSpPr txBox="1"/>
+          <p:nvPr/>
+        </p:nvSpPr>
+        <p:spPr>
+          <a:xfrm>
+            <a:off x="6434680" y="2227285"/>
+            <a:ext cx="1834197" cy="461665"/>
+          </a:xfrm>
+          <a:prstGeom prst="rect">
+            <a:avLst/>
+          </a:prstGeom>
+          <a:noFill/>
+        </p:spPr>
+        <p:txBody>
+          <a:bodyPr wrap="square">
+            <a:spAutoFit/>
+          </a:bodyPr>
+          <a:lstStyle/>
+          <a:p>
+            <a:r>
+              <a:rPr lang="en-AU" sz="2400" dirty="0">
+                <a:solidFill>
+                  <a:srgbClr val="0E0E0E"/>
+                </a:solidFill>
+                <a:effectLst/>
+              </a:rPr>
+              <a:t>Spec</a:t>
+            </a:r>
+          </a:p>
+        </p:txBody>
+      </p:sp>
+      <p:sp>
+        <p:nvSpPr>
+          <p:cNvPr id="6" name="TextBox 5">
+            <a:extLst>
+              <a:ext uri="{FF2B5EF4-FFF2-40B4-BE49-F238E27FC236}">
+                <a16:creationId xmlns:a16="http://schemas.microsoft.com/office/drawing/2014/main" id="{84012D58-368D-187E-4A6C-4114B99D5307}"/>
+              </a:ext>
+            </a:extLst>
+          </p:cNvPr>
+          <p:cNvSpPr txBox="1"/>
+          <p:nvPr/>
+        </p:nvSpPr>
+        <p:spPr>
+          <a:xfrm>
+            <a:off x="1115568" y="4712236"/>
+            <a:ext cx="1834197" cy="461665"/>
+          </a:xfrm>
+          <a:prstGeom prst="rect">
+            <a:avLst/>
+          </a:prstGeom>
+          <a:noFill/>
+        </p:spPr>
+        <p:txBody>
+          <a:bodyPr wrap="square">
+            <a:spAutoFit/>
+          </a:bodyPr>
+          <a:lstStyle/>
+          <a:p>
+            <a:r>
+              <a:rPr lang="en-AU" sz="2400" dirty="0">
+                <a:solidFill>
+                  <a:srgbClr val="0E0E0E"/>
+                </a:solidFill>
+                <a:effectLst/>
+              </a:rPr>
+              <a:t>Probe(s)</a:t>
+            </a:r>
+          </a:p>
+        </p:txBody>
+      </p:sp>
+      <p:cxnSp>
+        <p:nvCxnSpPr>
+          <p:cNvPr id="8" name="Straight Arrow Connector 7">
+            <a:extLst>
+              <a:ext uri="{FF2B5EF4-FFF2-40B4-BE49-F238E27FC236}">
+                <a16:creationId xmlns:a16="http://schemas.microsoft.com/office/drawing/2014/main" id="{6B77203E-505A-6ED3-1F82-F50925250F21}"/>
+              </a:ext>
+            </a:extLst>
+          </p:cNvPr>
+          <p:cNvCxnSpPr>
+            <a:cxnSpLocks/>
+          </p:cNvCxnSpPr>
+          <p:nvPr/>
+        </p:nvCxnSpPr>
+        <p:spPr>
+          <a:xfrm flipV="1">
+            <a:off x="2469440" y="4712236"/>
+            <a:ext cx="1103319" cy="230832"/>
+          </a:xfrm>
+          <a:prstGeom prst="straightConnector1">
+            <a:avLst/>
+          </a:prstGeom>
+          <a:ln w="57150">
+            <a:tailEnd type="triangle"/>
+          </a:ln>
+        </p:spPr>
+        <p:style>
+          <a:lnRef idx="1">
+            <a:schemeClr val="accent1"/>
+          </a:lnRef>
+          <a:fillRef idx="0">
+            <a:schemeClr val="accent1"/>
+          </a:fillRef>
+          <a:effectRef idx="0">
+            <a:schemeClr val="accent1"/>
+          </a:effectRef>
+          <a:fontRef idx="minor">
+            <a:schemeClr val="tx1"/>
+          </a:fontRef>
+        </p:style>
+      </p:cxnSp>
+      <p:cxnSp>
+        <p:nvCxnSpPr>
+          <p:cNvPr id="10" name="Straight Arrow Connector 9">
+            <a:extLst>
+              <a:ext uri="{FF2B5EF4-FFF2-40B4-BE49-F238E27FC236}">
+                <a16:creationId xmlns:a16="http://schemas.microsoft.com/office/drawing/2014/main" id="{C362B8CE-2C7A-AF5A-2B8F-186EA63A5202}"/>
+              </a:ext>
+            </a:extLst>
+          </p:cNvPr>
+          <p:cNvCxnSpPr>
+            <a:cxnSpLocks/>
+            <a:stCxn id="4" idx="1"/>
+          </p:cNvCxnSpPr>
+          <p:nvPr/>
+        </p:nvCxnSpPr>
+        <p:spPr>
+          <a:xfrm flipH="1">
+            <a:off x="8237993" y="3880519"/>
+            <a:ext cx="900609" cy="44767"/>
+          </a:xfrm>
+          <a:prstGeom prst="straightConnector1">
+            <a:avLst/>
+          </a:prstGeom>
+          <a:ln w="57150">
+            <a:tailEnd type="triangle"/>
+          </a:ln>
+        </p:spPr>
+        <p:style>
+          <a:lnRef idx="1">
+            <a:schemeClr val="accent1"/>
+          </a:lnRef>
+          <a:fillRef idx="0">
+            <a:schemeClr val="accent1"/>
+          </a:fillRef>
+          <a:effectRef idx="0">
+            <a:schemeClr val="accent1"/>
+          </a:effectRef>
+          <a:fontRef idx="minor">
+            <a:schemeClr val="tx1"/>
+          </a:fontRef>
+        </p:style>
+      </p:cxnSp>
+      <p:cxnSp>
+        <p:nvCxnSpPr>
+          <p:cNvPr id="13" name="Straight Arrow Connector 12">
+            <a:extLst>
+              <a:ext uri="{FF2B5EF4-FFF2-40B4-BE49-F238E27FC236}">
+                <a16:creationId xmlns:a16="http://schemas.microsoft.com/office/drawing/2014/main" id="{0591AE48-491B-8C71-B630-F11C711DFD37}"/>
+              </a:ext>
+            </a:extLst>
+          </p:cNvPr>
+          <p:cNvCxnSpPr>
+            <a:cxnSpLocks/>
+          </p:cNvCxnSpPr>
+          <p:nvPr/>
+        </p:nvCxnSpPr>
+        <p:spPr>
+          <a:xfrm>
+            <a:off x="6870160" y="2668893"/>
+            <a:ext cx="218797" cy="519126"/>
+          </a:xfrm>
+          <a:prstGeom prst="straightConnector1">
+            <a:avLst/>
+          </a:prstGeom>
+          <a:ln w="57150">
+            <a:tailEnd type="triangle"/>
+          </a:ln>
+        </p:spPr>
+        <p:style>
+          <a:lnRef idx="1">
+            <a:schemeClr val="accent1"/>
+          </a:lnRef>
+          <a:fillRef idx="0">
+            <a:schemeClr val="accent1"/>
+          </a:fillRef>
+          <a:effectRef idx="0">
+            <a:schemeClr val="accent1"/>
+          </a:effectRef>
+          <a:fontRef idx="minor">
+            <a:schemeClr val="tx1"/>
+          </a:fontRef>
+        </p:style>
+      </p:cxnSp>
     </p:spTree>
     <p:extLst>
       <p:ext uri="{BB962C8B-B14F-4D97-AF65-F5344CB8AC3E}">
@@ -5170,7 +5468,7 @@
           <a:p>
             <a:r>
               <a:rPr lang="en-AU" dirty="0"/>
-              <a:t>Spectrometry</a:t>
+              <a:t>Spectrometry: data</a:t>
             </a:r>
           </a:p>
         </p:txBody>
@@ -5189,8 +5487,8 @@
         </p:nvSpPr>
         <p:spPr>
           <a:xfrm>
-            <a:off x="1663830" y="2786307"/>
-            <a:ext cx="6099142" cy="3385542"/>
+            <a:off x="1115568" y="2296114"/>
+            <a:ext cx="8787975" cy="3416320"/>
           </a:xfrm>
           <a:prstGeom prst="rect">
             <a:avLst/>
@@ -5203,115 +5501,3583 @@
           </a:bodyPr>
           <a:lstStyle/>
           <a:p>
-            <a:r>
-              <a:rPr lang="en-AU" sz="800" dirty="0">
+            <a:endParaRPr lang="en-AU" sz="2400" b="1" dirty="0"/>
+          </a:p>
+          <a:p>
+            <a:r>
+              <a:rPr lang="en-AU" sz="2400" b="1" dirty="0">
                 <a:effectLst/>
-                <a:latin typeface="AdvOT863180fb"/>
               </a:rPr>
-              <a:t>Light source </a:t>
-            </a:r>
-          </a:p>
-          <a:p>
-            <a:endParaRPr lang="en-AU" sz="800" dirty="0">
-              <a:latin typeface="AdvOT863180fb"/>
+              <a:t>Reflectance (relative) </a:t>
+            </a:r>
+          </a:p>
+          <a:p>
+            <a:endParaRPr lang="en-AU" sz="2400" dirty="0">
+              <a:effectLst/>
             </a:endParaRPr>
           </a:p>
           <a:p>
             <a:r>
-              <a:rPr lang="en-AU" sz="1800" dirty="0">
+              <a:rPr lang="en-AU" sz="2400" dirty="0">
                 <a:effectLst/>
-                <a:latin typeface="AdvOT863180fb"/>
               </a:rPr>
-              <a:t>Light source, object and</a:t>
-            </a:r>
-            <a:br>
-              <a:rPr lang="en-AU" sz="1800" dirty="0">
+              <a:t>Radiance</a:t>
+            </a:r>
+          </a:p>
+          <a:p>
+            <a:endParaRPr lang="en-AU" sz="2400" dirty="0">
+              <a:effectLst/>
+            </a:endParaRPr>
+          </a:p>
+          <a:p>
+            <a:r>
+              <a:rPr lang="en-AU" sz="2400" dirty="0">
                 <a:effectLst/>
-                <a:latin typeface="AdvOT863180fb"/>
               </a:rPr>
-            </a:br>
-            <a:r>
-              <a:rPr lang="en-AU" sz="1800" dirty="0">
+              <a:t>Irradiance (vector/scalar)</a:t>
+            </a:r>
+          </a:p>
+          <a:p>
+            <a:endParaRPr lang="en-AU" sz="2400" dirty="0"/>
+          </a:p>
+          <a:p>
+            <a:r>
+              <a:rPr lang="en-AU" sz="2400" dirty="0">
                 <a:effectLst/>
-                <a:latin typeface="AdvOT863180fb"/>
               </a:rPr>
-              <a:t>collector geometry </a:t>
-            </a:r>
-            <a:endParaRPr lang="en-AU" dirty="0"/>
-          </a:p>
-          <a:p>
-            <a:endParaRPr lang="en-AU" sz="1800" dirty="0">
+              <a:t>Transmittance (diffuse/</a:t>
+            </a:r>
+            <a:r>
+              <a:rPr lang="en-AU" sz="2400" dirty="0"/>
+              <a:t>direct)</a:t>
+            </a:r>
+            <a:endParaRPr lang="en-AU" sz="2400" dirty="0">
               <a:effectLst/>
-              <a:latin typeface="AdvOT863180fb"/>
             </a:endParaRPr>
           </a:p>
           <a:p>
-            <a:r>
-              <a:rPr lang="en-AU" sz="1800" dirty="0">
-                <a:effectLst/>
-                <a:latin typeface="AdvOT863180fb"/>
-              </a:rPr>
-              <a:t>White/dark standard </a:t>
-            </a:r>
-            <a:endParaRPr lang="en-AU" dirty="0"/>
-          </a:p>
-          <a:p>
-            <a:endParaRPr lang="en-AU" dirty="0"/>
-          </a:p>
-          <a:p>
-            <a:r>
-              <a:rPr lang="en-AU" dirty="0">
-                <a:latin typeface="AdvOT863180fb"/>
-              </a:rPr>
-              <a:t>F</a:t>
-            </a:r>
-            <a:r>
-              <a:rPr lang="en-AU" sz="1800" dirty="0">
-                <a:effectLst/>
-                <a:latin typeface="AdvOT863180fb"/>
-              </a:rPr>
-              <a:t>ibre diameter </a:t>
-            </a:r>
-          </a:p>
-          <a:p>
-            <a:endParaRPr lang="en-AU" dirty="0">
-              <a:latin typeface="AdvOT863180fb"/>
-            </a:endParaRPr>
-          </a:p>
-          <a:p>
-            <a:r>
-              <a:rPr lang="en-AU" sz="1800" dirty="0">
-                <a:effectLst/>
-                <a:latin typeface="AdvOT863180fb"/>
-              </a:rPr>
-              <a:t>Integration time </a:t>
-            </a:r>
-            <a:endParaRPr lang="en-AU" dirty="0"/>
-          </a:p>
-          <a:p>
-            <a:endParaRPr lang="en-AU" dirty="0">
-              <a:latin typeface="AdvOT863180fb"/>
-            </a:endParaRPr>
-          </a:p>
-          <a:p>
-            <a:r>
-              <a:rPr lang="en-AU" dirty="0">
-                <a:latin typeface="AdvOT863180fb"/>
-              </a:rPr>
-              <a:t>Boxcar width/smoothing</a:t>
-            </a:r>
-          </a:p>
-          <a:p>
-            <a:endParaRPr lang="en-AU" dirty="0">
-              <a:latin typeface="AdvOT863180fb"/>
-            </a:endParaRPr>
-          </a:p>
-        </p:txBody>
-      </p:sp>
+            <a:endParaRPr lang="en-AU" sz="2400" dirty="0"/>
+          </a:p>
+        </p:txBody>
+      </p:sp>
+      <p:pic>
+        <p:nvPicPr>
+          <p:cNvPr id="1026" name="Picture 2" descr="Ocean Optics Jaz UV/Visible Spectrophotometer with Remote Probe from  Cole-Parmer India">
+            <a:extLst>
+              <a:ext uri="{FF2B5EF4-FFF2-40B4-BE49-F238E27FC236}">
+                <a16:creationId xmlns:a16="http://schemas.microsoft.com/office/drawing/2014/main" id="{E5F71FE2-3C95-E9D4-5B5B-167FD834EF0B}"/>
+              </a:ext>
+            </a:extLst>
+          </p:cNvPr>
+          <p:cNvPicPr>
+            <a:picLocks noChangeAspect="1" noChangeArrowheads="1"/>
+          </p:cNvPicPr>
+          <p:nvPr/>
+        </p:nvPicPr>
+        <p:blipFill>
+          <a:blip r:embed="rId2">
+            <a:extLst>
+              <a:ext uri="{28A0092B-C50C-407E-A947-70E740481C1C}">
+                <a14:useLocalDpi xmlns:a14="http://schemas.microsoft.com/office/drawing/2010/main" val="0"/>
+              </a:ext>
+            </a:extLst>
+          </a:blip>
+          <a:srcRect/>
+          <a:stretch>
+            <a:fillRect/>
+          </a:stretch>
+        </p:blipFill>
+        <p:spPr bwMode="auto">
+          <a:xfrm>
+            <a:off x="7706443" y="2269958"/>
+            <a:ext cx="4394200" cy="4394200"/>
+          </a:xfrm>
+          <a:prstGeom prst="rect">
+            <a:avLst/>
+          </a:prstGeom>
+          <a:noFill/>
+          <a:extLst>
+            <a:ext uri="{909E8E84-426E-40DD-AFC4-6F175D3DCCD1}">
+              <a14:hiddenFill xmlns:a14="http://schemas.microsoft.com/office/drawing/2010/main">
+                <a:solidFill>
+                  <a:srgbClr val="FFFFFF"/>
+                </a:solidFill>
+              </a14:hiddenFill>
+            </a:ext>
+          </a:extLst>
+        </p:spPr>
+      </p:pic>
     </p:spTree>
     <p:extLst>
       <p:ext uri="{BB962C8B-B14F-4D97-AF65-F5344CB8AC3E}">
         <p14:creationId xmlns:p14="http://schemas.microsoft.com/office/powerpoint/2010/main" val="605670979"/>
+      </p:ext>
+    </p:extLst>
+  </p:cSld>
+  <p:clrMapOvr>
+    <a:masterClrMapping/>
+  </p:clrMapOvr>
+</p:sld>
+</file>
+
+<file path=ppt/slides/slide3.xml><?xml version="1.0" encoding="utf-8"?>
+<p:sld xmlns:a="http://schemas.openxmlformats.org/drawingml/2006/main" xmlns:r="http://schemas.openxmlformats.org/officeDocument/2006/relationships" xmlns:p="http://schemas.openxmlformats.org/presentationml/2006/main">
+  <p:cSld>
+    <p:spTree>
+      <p:nvGrpSpPr>
+        <p:cNvPr id="1" name="">
+          <a:extLst>
+            <a:ext uri="{FF2B5EF4-FFF2-40B4-BE49-F238E27FC236}">
+              <a16:creationId xmlns:a16="http://schemas.microsoft.com/office/drawing/2014/main" id="{A778A729-FD80-EAAC-9261-4660F39F9A64}"/>
+            </a:ext>
+          </a:extLst>
+        </p:cNvPr>
+        <p:cNvGrpSpPr/>
+        <p:nvPr/>
+      </p:nvGrpSpPr>
+      <p:grpSpPr>
+        <a:xfrm>
+          <a:off x="0" y="0"/>
+          <a:ext cx="0" cy="0"/>
+          <a:chOff x="0" y="0"/>
+          <a:chExt cx="0" cy="0"/>
+        </a:xfrm>
+      </p:grpSpPr>
+      <p:sp>
+        <p:nvSpPr>
+          <p:cNvPr id="2" name="Title 1">
+            <a:extLst>
+              <a:ext uri="{FF2B5EF4-FFF2-40B4-BE49-F238E27FC236}">
+                <a16:creationId xmlns:a16="http://schemas.microsoft.com/office/drawing/2014/main" id="{CD425E22-3F94-0D2A-5051-D667707BE42D}"/>
+              </a:ext>
+            </a:extLst>
+          </p:cNvPr>
+          <p:cNvSpPr>
+            <a:spLocks noGrp="1"/>
+          </p:cNvSpPr>
+          <p:nvPr>
+            <p:ph type="title"/>
+          </p:nvPr>
+        </p:nvSpPr>
+        <p:spPr/>
+        <p:txBody>
+          <a:bodyPr/>
+          <a:lstStyle/>
+          <a:p>
+            <a:r>
+              <a:rPr lang="en-AU" dirty="0"/>
+              <a:t>Spectrometry: considerations</a:t>
+            </a:r>
+          </a:p>
+        </p:txBody>
+      </p:sp>
+      <p:sp>
+        <p:nvSpPr>
+          <p:cNvPr id="4" name="TextBox 3">
+            <a:extLst>
+              <a:ext uri="{FF2B5EF4-FFF2-40B4-BE49-F238E27FC236}">
+                <a16:creationId xmlns:a16="http://schemas.microsoft.com/office/drawing/2014/main" id="{E769A79E-A5EC-B382-D5DA-37AFBE5B0FF5}"/>
+              </a:ext>
+            </a:extLst>
+          </p:cNvPr>
+          <p:cNvSpPr txBox="1"/>
+          <p:nvPr/>
+        </p:nvSpPr>
+        <p:spPr>
+          <a:xfrm>
+            <a:off x="579748" y="2535340"/>
+            <a:ext cx="6099142" cy="4524315"/>
+          </a:xfrm>
+          <a:prstGeom prst="rect">
+            <a:avLst/>
+          </a:prstGeom>
+          <a:noFill/>
+        </p:spPr>
+        <p:txBody>
+          <a:bodyPr wrap="square">
+            <a:spAutoFit/>
+          </a:bodyPr>
+          <a:lstStyle/>
+          <a:p>
+            <a:r>
+              <a:rPr lang="en-AU" sz="2400" b="1" i="1" dirty="0"/>
+              <a:t>Greater</a:t>
+            </a:r>
+            <a:endParaRPr lang="en-AU" sz="2400" b="1" i="1" dirty="0">
+              <a:effectLst/>
+            </a:endParaRPr>
+          </a:p>
+          <a:p>
+            <a:endParaRPr lang="en-AU" sz="2400" dirty="0">
+              <a:effectLst/>
+            </a:endParaRPr>
+          </a:p>
+          <a:p>
+            <a:r>
+              <a:rPr lang="en-AU" sz="2400" dirty="0">
+                <a:effectLst/>
+              </a:rPr>
+              <a:t>- The spec</a:t>
+            </a:r>
+          </a:p>
+          <a:p>
+            <a:endParaRPr lang="en-AU" sz="2400" dirty="0">
+              <a:effectLst/>
+            </a:endParaRPr>
+          </a:p>
+          <a:p>
+            <a:r>
+              <a:rPr lang="en-AU" sz="2400" dirty="0">
+                <a:effectLst/>
+              </a:rPr>
+              <a:t>- Light source </a:t>
+            </a:r>
+          </a:p>
+          <a:p>
+            <a:endParaRPr lang="en-AU" sz="2400" dirty="0"/>
+          </a:p>
+          <a:p>
+            <a:r>
+              <a:rPr lang="en-AU" sz="2400" dirty="0">
+                <a:effectLst/>
+              </a:rPr>
+              <a:t>- Light &lt;-&gt; object &lt;-&gt; spec geometry </a:t>
+            </a:r>
+            <a:endParaRPr lang="en-AU" sz="2400" dirty="0"/>
+          </a:p>
+          <a:p>
+            <a:endParaRPr lang="en-AU" sz="2400" dirty="0">
+              <a:effectLst/>
+            </a:endParaRPr>
+          </a:p>
+          <a:p>
+            <a:r>
+              <a:rPr lang="en-AU" sz="2400" dirty="0">
+                <a:effectLst/>
+              </a:rPr>
+              <a:t>- Standards</a:t>
+            </a:r>
+            <a:endParaRPr lang="en-AU" sz="2400" dirty="0"/>
+          </a:p>
+          <a:p>
+            <a:endParaRPr lang="en-AU" sz="2400" dirty="0"/>
+          </a:p>
+          <a:p>
+            <a:endParaRPr lang="en-AU" sz="2400" b="1" i="1" dirty="0"/>
+          </a:p>
+          <a:p>
+            <a:endParaRPr lang="en-AU" sz="2400" dirty="0"/>
+          </a:p>
+        </p:txBody>
+      </p:sp>
+      <p:sp>
+        <p:nvSpPr>
+          <p:cNvPr id="5" name="TextBox 4">
+            <a:extLst>
+              <a:ext uri="{FF2B5EF4-FFF2-40B4-BE49-F238E27FC236}">
+                <a16:creationId xmlns:a16="http://schemas.microsoft.com/office/drawing/2014/main" id="{386DFD54-F2E4-C6B1-7F5F-92D467985856}"/>
+              </a:ext>
+            </a:extLst>
+          </p:cNvPr>
+          <p:cNvSpPr txBox="1"/>
+          <p:nvPr/>
+        </p:nvSpPr>
+        <p:spPr>
+          <a:xfrm>
+            <a:off x="6424367" y="2535340"/>
+            <a:ext cx="6099142" cy="3416320"/>
+          </a:xfrm>
+          <a:prstGeom prst="rect">
+            <a:avLst/>
+          </a:prstGeom>
+          <a:noFill/>
+        </p:spPr>
+        <p:txBody>
+          <a:bodyPr wrap="square">
+            <a:spAutoFit/>
+          </a:bodyPr>
+          <a:lstStyle/>
+          <a:p>
+            <a:r>
+              <a:rPr lang="en-AU" sz="2400" b="1" i="1" dirty="0"/>
+              <a:t>Lesser</a:t>
+            </a:r>
+          </a:p>
+          <a:p>
+            <a:endParaRPr lang="en-AU" sz="2400" dirty="0"/>
+          </a:p>
+          <a:p>
+            <a:r>
+              <a:rPr lang="en-AU" sz="2400" dirty="0"/>
+              <a:t>- F</a:t>
+            </a:r>
+            <a:r>
+              <a:rPr lang="en-AU" sz="2400" dirty="0">
+                <a:effectLst/>
+              </a:rPr>
+              <a:t>ibres (diameter/length/sensitivity)</a:t>
+            </a:r>
+          </a:p>
+          <a:p>
+            <a:pPr marL="342900" indent="-342900">
+              <a:buFontTx/>
+              <a:buChar char="-"/>
+            </a:pPr>
+            <a:endParaRPr lang="en-AU" sz="2400" dirty="0"/>
+          </a:p>
+          <a:p>
+            <a:r>
+              <a:rPr lang="en-AU" sz="2400" dirty="0">
+                <a:effectLst/>
+              </a:rPr>
+              <a:t>- Filters/collimators/lenses</a:t>
+            </a:r>
+          </a:p>
+          <a:p>
+            <a:endParaRPr lang="en-AU" sz="2400" dirty="0"/>
+          </a:p>
+          <a:p>
+            <a:r>
+              <a:rPr lang="en-AU" sz="2400" dirty="0">
+                <a:effectLst/>
+              </a:rPr>
+              <a:t>- Integration time </a:t>
+            </a:r>
+            <a:endParaRPr lang="en-AU" sz="2400" dirty="0"/>
+          </a:p>
+          <a:p>
+            <a:endParaRPr lang="en-AU" sz="2400" dirty="0"/>
+          </a:p>
+          <a:p>
+            <a:r>
+              <a:rPr lang="en-AU" sz="2400" dirty="0"/>
+              <a:t>- Boxcar width/smoothing</a:t>
+            </a:r>
+          </a:p>
+        </p:txBody>
+      </p:sp>
+    </p:spTree>
+    <p:extLst>
+      <p:ext uri="{BB962C8B-B14F-4D97-AF65-F5344CB8AC3E}">
+        <p14:creationId xmlns:p14="http://schemas.microsoft.com/office/powerpoint/2010/main" val="2570271051"/>
+      </p:ext>
+    </p:extLst>
+  </p:cSld>
+  <p:clrMapOvr>
+    <a:masterClrMapping/>
+  </p:clrMapOvr>
+</p:sld>
+</file>
+
+<file path=ppt/slides/slide4.xml><?xml version="1.0" encoding="utf-8"?>
+<p:sld xmlns:a="http://schemas.openxmlformats.org/drawingml/2006/main" xmlns:r="http://schemas.openxmlformats.org/officeDocument/2006/relationships" xmlns:p="http://schemas.openxmlformats.org/presentationml/2006/main">
+  <p:cSld>
+    <p:spTree>
+      <p:nvGrpSpPr>
+        <p:cNvPr id="1" name="">
+          <a:extLst>
+            <a:ext uri="{FF2B5EF4-FFF2-40B4-BE49-F238E27FC236}">
+              <a16:creationId xmlns:a16="http://schemas.microsoft.com/office/drawing/2014/main" id="{E0A12395-F32B-C4D0-78FB-610D66CE4564}"/>
+            </a:ext>
+          </a:extLst>
+        </p:cNvPr>
+        <p:cNvGrpSpPr/>
+        <p:nvPr/>
+      </p:nvGrpSpPr>
+      <p:grpSpPr>
+        <a:xfrm>
+          <a:off x="0" y="0"/>
+          <a:ext cx="0" cy="0"/>
+          <a:chOff x="0" y="0"/>
+          <a:chExt cx="0" cy="0"/>
+        </a:xfrm>
+      </p:grpSpPr>
+      <p:sp>
+        <p:nvSpPr>
+          <p:cNvPr id="2" name="Title 1">
+            <a:extLst>
+              <a:ext uri="{FF2B5EF4-FFF2-40B4-BE49-F238E27FC236}">
+                <a16:creationId xmlns:a16="http://schemas.microsoft.com/office/drawing/2014/main" id="{A85F17EB-57B4-092D-D754-3A5DEEFCBE58}"/>
+              </a:ext>
+            </a:extLst>
+          </p:cNvPr>
+          <p:cNvSpPr>
+            <a:spLocks noGrp="1"/>
+          </p:cNvSpPr>
+          <p:nvPr>
+            <p:ph type="title"/>
+          </p:nvPr>
+        </p:nvSpPr>
+        <p:spPr/>
+        <p:txBody>
+          <a:bodyPr/>
+          <a:lstStyle/>
+          <a:p>
+            <a:r>
+              <a:rPr lang="en-AU" dirty="0"/>
+              <a:t>Spectrometry: the spec</a:t>
+            </a:r>
+          </a:p>
+        </p:txBody>
+      </p:sp>
+      <p:sp>
+        <p:nvSpPr>
+          <p:cNvPr id="5" name="TextBox 4">
+            <a:extLst>
+              <a:ext uri="{FF2B5EF4-FFF2-40B4-BE49-F238E27FC236}">
+                <a16:creationId xmlns:a16="http://schemas.microsoft.com/office/drawing/2014/main" id="{88CC3813-17B6-BE64-6271-579D3952AD65}"/>
+              </a:ext>
+            </a:extLst>
+          </p:cNvPr>
+          <p:cNvSpPr txBox="1"/>
+          <p:nvPr/>
+        </p:nvSpPr>
+        <p:spPr>
+          <a:xfrm>
+            <a:off x="1648417" y="2013228"/>
+            <a:ext cx="9984258" cy="584775"/>
+          </a:xfrm>
+          <a:prstGeom prst="rect">
+            <a:avLst/>
+          </a:prstGeom>
+          <a:noFill/>
+        </p:spPr>
+        <p:txBody>
+          <a:bodyPr wrap="square">
+            <a:spAutoFit/>
+          </a:bodyPr>
+          <a:lstStyle/>
+          <a:p>
+            <a:r>
+              <a:rPr lang="en-AU" sz="3200" i="1" dirty="0"/>
+              <a:t>Key: sufficient sensitivity across the spectral range </a:t>
+            </a:r>
+          </a:p>
+        </p:txBody>
+      </p:sp>
+      <p:sp>
+        <p:nvSpPr>
+          <p:cNvPr id="6" name="TextBox 5">
+            <a:extLst>
+              <a:ext uri="{FF2B5EF4-FFF2-40B4-BE49-F238E27FC236}">
+                <a16:creationId xmlns:a16="http://schemas.microsoft.com/office/drawing/2014/main" id="{0C5F20E8-FBD2-EE9D-D7B3-E3378CFEC22D}"/>
+              </a:ext>
+            </a:extLst>
+          </p:cNvPr>
+          <p:cNvSpPr txBox="1"/>
+          <p:nvPr/>
+        </p:nvSpPr>
+        <p:spPr>
+          <a:xfrm>
+            <a:off x="362295" y="2883016"/>
+            <a:ext cx="6099142" cy="2862322"/>
+          </a:xfrm>
+          <a:prstGeom prst="rect">
+            <a:avLst/>
+          </a:prstGeom>
+          <a:noFill/>
+        </p:spPr>
+        <p:txBody>
+          <a:bodyPr wrap="square">
+            <a:spAutoFit/>
+          </a:bodyPr>
+          <a:lstStyle/>
+          <a:p>
+            <a:pPr marL="342900" indent="-342900">
+              <a:buFontTx/>
+              <a:buChar char="-"/>
+            </a:pPr>
+            <a:r>
+              <a:rPr lang="en-AU" sz="2000" dirty="0">
+                <a:solidFill>
+                  <a:srgbClr val="0E0E0E"/>
+                </a:solidFill>
+                <a:effectLst/>
+              </a:rPr>
+              <a:t>UV – VIS – NIR+</a:t>
+            </a:r>
+          </a:p>
+          <a:p>
+            <a:pPr marL="342900" indent="-342900">
+              <a:buFontTx/>
+              <a:buChar char="-"/>
+            </a:pPr>
+            <a:r>
+              <a:rPr lang="en-AU" sz="2000" dirty="0">
+                <a:solidFill>
+                  <a:srgbClr val="0E0E0E"/>
+                </a:solidFill>
+              </a:rPr>
+              <a:t>Sensitivity, noise, range</a:t>
+            </a:r>
+            <a:endParaRPr lang="en-AU" sz="2000" dirty="0">
+              <a:solidFill>
+                <a:srgbClr val="0E0E0E"/>
+              </a:solidFill>
+              <a:effectLst/>
+            </a:endParaRPr>
+          </a:p>
+          <a:p>
+            <a:pPr marL="342900" indent="-342900">
+              <a:buFontTx/>
+              <a:buChar char="-"/>
+            </a:pPr>
+            <a:r>
+              <a:rPr lang="en-AU" sz="2000" dirty="0">
+                <a:solidFill>
+                  <a:srgbClr val="0E0E0E"/>
+                </a:solidFill>
+              </a:rPr>
+              <a:t>Lots of brands/types</a:t>
+            </a:r>
+          </a:p>
+          <a:p>
+            <a:pPr marL="800100" lvl="1" indent="-342900">
+              <a:buFontTx/>
+              <a:buChar char="-"/>
+            </a:pPr>
+            <a:r>
+              <a:rPr lang="en-AU" sz="2000" dirty="0">
+                <a:solidFill>
+                  <a:srgbClr val="0E0E0E"/>
+                </a:solidFill>
+              </a:rPr>
+              <a:t>Oceanview</a:t>
+            </a:r>
+          </a:p>
+          <a:p>
+            <a:pPr marL="800100" lvl="1" indent="-342900">
+              <a:buFontTx/>
+              <a:buChar char="-"/>
+            </a:pPr>
+            <a:r>
+              <a:rPr lang="en-AU" sz="2000" dirty="0" err="1">
+                <a:solidFill>
+                  <a:srgbClr val="0E0E0E"/>
+                </a:solidFill>
+              </a:rPr>
+              <a:t>Avantes</a:t>
+            </a:r>
+            <a:endParaRPr lang="en-AU" sz="2000" dirty="0">
+              <a:solidFill>
+                <a:srgbClr val="0E0E0E"/>
+              </a:solidFill>
+            </a:endParaRPr>
+          </a:p>
+          <a:p>
+            <a:pPr marL="800100" lvl="1" indent="-342900">
+              <a:buFontTx/>
+              <a:buChar char="-"/>
+            </a:pPr>
+            <a:r>
+              <a:rPr lang="en-AU" sz="2000" dirty="0">
+                <a:solidFill>
+                  <a:srgbClr val="0E0E0E"/>
+                </a:solidFill>
+              </a:rPr>
+              <a:t>Horiba</a:t>
+            </a:r>
+          </a:p>
+          <a:p>
+            <a:pPr marL="800100" lvl="1" indent="-342900">
+              <a:buFontTx/>
+              <a:buChar char="-"/>
+            </a:pPr>
+            <a:r>
+              <a:rPr lang="en-AU" sz="2000" dirty="0" err="1">
+                <a:solidFill>
+                  <a:srgbClr val="0E0E0E"/>
+                </a:solidFill>
+              </a:rPr>
+              <a:t>StellarNet</a:t>
+            </a:r>
+            <a:endParaRPr lang="en-AU" sz="2000" dirty="0">
+              <a:solidFill>
+                <a:srgbClr val="0E0E0E"/>
+              </a:solidFill>
+            </a:endParaRPr>
+          </a:p>
+          <a:p>
+            <a:pPr marL="800100" lvl="1" indent="-342900">
+              <a:buFontTx/>
+              <a:buChar char="-"/>
+            </a:pPr>
+            <a:r>
+              <a:rPr lang="en-AU" sz="2000" dirty="0">
+                <a:solidFill>
+                  <a:srgbClr val="0E0E0E"/>
+                </a:solidFill>
+                <a:effectLst/>
+              </a:rPr>
+              <a:t>Whatever Jolyon’s invented lately</a:t>
+            </a:r>
+          </a:p>
+          <a:p>
+            <a:pPr marL="342900" indent="-342900">
+              <a:buFontTx/>
+              <a:buChar char="-"/>
+            </a:pPr>
+            <a:endParaRPr lang="en-AU" sz="2000" dirty="0">
+              <a:solidFill>
+                <a:srgbClr val="0E0E0E"/>
+              </a:solidFill>
+              <a:effectLst/>
+            </a:endParaRPr>
+          </a:p>
+        </p:txBody>
+      </p:sp>
+      <p:pic>
+        <p:nvPicPr>
+          <p:cNvPr id="5122" name="Picture 2" descr="Ocean HDX | Ocean Optics">
+            <a:extLst>
+              <a:ext uri="{FF2B5EF4-FFF2-40B4-BE49-F238E27FC236}">
+                <a16:creationId xmlns:a16="http://schemas.microsoft.com/office/drawing/2014/main" id="{A7CD0860-FB79-19CA-9469-D44E5F93FD7D}"/>
+              </a:ext>
+            </a:extLst>
+          </p:cNvPr>
+          <p:cNvPicPr>
+            <a:picLocks noChangeAspect="1" noChangeArrowheads="1"/>
+          </p:cNvPicPr>
+          <p:nvPr/>
+        </p:nvPicPr>
+        <p:blipFill>
+          <a:blip r:embed="rId2">
+            <a:extLst>
+              <a:ext uri="{28A0092B-C50C-407E-A947-70E740481C1C}">
+                <a14:useLocalDpi xmlns:a14="http://schemas.microsoft.com/office/drawing/2010/main" val="0"/>
+              </a:ext>
+            </a:extLst>
+          </a:blip>
+          <a:srcRect/>
+          <a:stretch>
+            <a:fillRect/>
+          </a:stretch>
+        </p:blipFill>
+        <p:spPr bwMode="auto">
+          <a:xfrm>
+            <a:off x="8344364" y="4006400"/>
+            <a:ext cx="5139108" cy="2890748"/>
+          </a:xfrm>
+          <a:prstGeom prst="rect">
+            <a:avLst/>
+          </a:prstGeom>
+          <a:noFill/>
+          <a:extLst>
+            <a:ext uri="{909E8E84-426E-40DD-AFC4-6F175D3DCCD1}">
+              <a14:hiddenFill xmlns:a14="http://schemas.microsoft.com/office/drawing/2010/main">
+                <a:solidFill>
+                  <a:srgbClr val="FFFFFF"/>
+                </a:solidFill>
+              </a14:hiddenFill>
+            </a:ext>
+          </a:extLst>
+        </p:spPr>
+      </p:pic>
+    </p:spTree>
+    <p:extLst>
+      <p:ext uri="{BB962C8B-B14F-4D97-AF65-F5344CB8AC3E}">
+        <p14:creationId xmlns:p14="http://schemas.microsoft.com/office/powerpoint/2010/main" val="2015928909"/>
+      </p:ext>
+    </p:extLst>
+  </p:cSld>
+  <p:clrMapOvr>
+    <a:masterClrMapping/>
+  </p:clrMapOvr>
+</p:sld>
+</file>
+
+<file path=ppt/slides/slide5.xml><?xml version="1.0" encoding="utf-8"?>
+<p:sld xmlns:a="http://schemas.openxmlformats.org/drawingml/2006/main" xmlns:r="http://schemas.openxmlformats.org/officeDocument/2006/relationships" xmlns:p="http://schemas.openxmlformats.org/presentationml/2006/main">
+  <p:cSld>
+    <p:spTree>
+      <p:nvGrpSpPr>
+        <p:cNvPr id="1" name="">
+          <a:extLst>
+            <a:ext uri="{FF2B5EF4-FFF2-40B4-BE49-F238E27FC236}">
+              <a16:creationId xmlns:a16="http://schemas.microsoft.com/office/drawing/2014/main" id="{6A50CA25-77E5-C5D9-7F85-D9B35AD6734E}"/>
+            </a:ext>
+          </a:extLst>
+        </p:cNvPr>
+        <p:cNvGrpSpPr/>
+        <p:nvPr/>
+      </p:nvGrpSpPr>
+      <p:grpSpPr>
+        <a:xfrm>
+          <a:off x="0" y="0"/>
+          <a:ext cx="0" cy="0"/>
+          <a:chOff x="0" y="0"/>
+          <a:chExt cx="0" cy="0"/>
+        </a:xfrm>
+      </p:grpSpPr>
+      <p:sp>
+        <p:nvSpPr>
+          <p:cNvPr id="2" name="Title 1">
+            <a:extLst>
+              <a:ext uri="{FF2B5EF4-FFF2-40B4-BE49-F238E27FC236}">
+                <a16:creationId xmlns:a16="http://schemas.microsoft.com/office/drawing/2014/main" id="{817AE202-580F-7B50-6E11-1EA19E1F236C}"/>
+              </a:ext>
+            </a:extLst>
+          </p:cNvPr>
+          <p:cNvSpPr>
+            <a:spLocks noGrp="1"/>
+          </p:cNvSpPr>
+          <p:nvPr>
+            <p:ph type="title"/>
+          </p:nvPr>
+        </p:nvSpPr>
+        <p:spPr/>
+        <p:txBody>
+          <a:bodyPr/>
+          <a:lstStyle/>
+          <a:p>
+            <a:r>
+              <a:rPr lang="en-AU" dirty="0"/>
+              <a:t>Light source</a:t>
+            </a:r>
+          </a:p>
+        </p:txBody>
+      </p:sp>
+      <p:sp>
+        <p:nvSpPr>
+          <p:cNvPr id="5" name="TextBox 4">
+            <a:extLst>
+              <a:ext uri="{FF2B5EF4-FFF2-40B4-BE49-F238E27FC236}">
+                <a16:creationId xmlns:a16="http://schemas.microsoft.com/office/drawing/2014/main" id="{68368A86-C1B0-058F-AD2F-A5A30A1DB4D3}"/>
+              </a:ext>
+            </a:extLst>
+          </p:cNvPr>
+          <p:cNvSpPr txBox="1"/>
+          <p:nvPr/>
+        </p:nvSpPr>
+        <p:spPr>
+          <a:xfrm>
+            <a:off x="1638991" y="2071452"/>
+            <a:ext cx="9121282" cy="584775"/>
+          </a:xfrm>
+          <a:prstGeom prst="rect">
+            <a:avLst/>
+          </a:prstGeom>
+          <a:noFill/>
+        </p:spPr>
+        <p:txBody>
+          <a:bodyPr wrap="square">
+            <a:spAutoFit/>
+          </a:bodyPr>
+          <a:lstStyle/>
+          <a:p>
+            <a:r>
+              <a:rPr lang="en-AU" sz="3200" i="1" dirty="0"/>
+              <a:t>Key: sufficient intensity across the spectral range </a:t>
+            </a:r>
+          </a:p>
+        </p:txBody>
+      </p:sp>
+      <p:sp>
+        <p:nvSpPr>
+          <p:cNvPr id="6" name="TextBox 5">
+            <a:extLst>
+              <a:ext uri="{FF2B5EF4-FFF2-40B4-BE49-F238E27FC236}">
+                <a16:creationId xmlns:a16="http://schemas.microsoft.com/office/drawing/2014/main" id="{27C7F698-FAC6-55AE-67FB-FC43FFAD73FB}"/>
+              </a:ext>
+            </a:extLst>
+          </p:cNvPr>
+          <p:cNvSpPr txBox="1"/>
+          <p:nvPr/>
+        </p:nvSpPr>
+        <p:spPr>
+          <a:xfrm>
+            <a:off x="556182" y="3933187"/>
+            <a:ext cx="6099142" cy="2031325"/>
+          </a:xfrm>
+          <a:prstGeom prst="rect">
+            <a:avLst/>
+          </a:prstGeom>
+          <a:noFill/>
+        </p:spPr>
+        <p:txBody>
+          <a:bodyPr wrap="square">
+            <a:spAutoFit/>
+          </a:bodyPr>
+          <a:lstStyle/>
+          <a:p>
+            <a:r>
+              <a:rPr lang="en-AU" dirty="0">
+                <a:solidFill>
+                  <a:srgbClr val="0E0E0E"/>
+                </a:solidFill>
+                <a:effectLst/>
+              </a:rPr>
+              <a:t>Tungsten-Halogen</a:t>
+            </a:r>
+          </a:p>
+          <a:p>
+            <a:r>
+              <a:rPr lang="en-AU" dirty="0">
+                <a:solidFill>
+                  <a:srgbClr val="0E0E0E"/>
+                </a:solidFill>
+                <a:effectLst/>
+              </a:rPr>
+              <a:t>Deuterium</a:t>
+            </a:r>
+          </a:p>
+          <a:p>
+            <a:r>
+              <a:rPr lang="en-AU" dirty="0">
+                <a:solidFill>
+                  <a:srgbClr val="0E0E0E"/>
+                </a:solidFill>
+                <a:effectLst/>
+              </a:rPr>
+              <a:t>Xenon Arc Lamps</a:t>
+            </a:r>
+          </a:p>
+          <a:p>
+            <a:r>
+              <a:rPr lang="en-AU" dirty="0">
+                <a:solidFill>
+                  <a:srgbClr val="0E0E0E"/>
+                </a:solidFill>
+                <a:effectLst/>
+              </a:rPr>
+              <a:t>Light Emitting Diodes (LEDs)</a:t>
+            </a:r>
+          </a:p>
+          <a:p>
+            <a:r>
+              <a:rPr lang="en-AU" dirty="0">
+                <a:solidFill>
+                  <a:srgbClr val="0E0E0E"/>
+                </a:solidFill>
+                <a:effectLst/>
+              </a:rPr>
+              <a:t>Quartz Tungsten-Halogen (QTH) Lamps</a:t>
+            </a:r>
+          </a:p>
+          <a:p>
+            <a:r>
+              <a:rPr lang="en-AU" dirty="0">
+                <a:solidFill>
+                  <a:srgbClr val="0E0E0E"/>
+                </a:solidFill>
+                <a:effectLst/>
+              </a:rPr>
+              <a:t>Mercury Arc</a:t>
+            </a:r>
+          </a:p>
+          <a:p>
+            <a:r>
+              <a:rPr lang="en-AU" dirty="0">
+                <a:solidFill>
+                  <a:srgbClr val="0E0E0E"/>
+                </a:solidFill>
+              </a:rPr>
+              <a:t>...</a:t>
+            </a:r>
+            <a:endParaRPr lang="en-AU" dirty="0">
+              <a:solidFill>
+                <a:srgbClr val="0E0E0E"/>
+              </a:solidFill>
+              <a:effectLst/>
+            </a:endParaRPr>
+          </a:p>
+        </p:txBody>
+      </p:sp>
+      <p:pic>
+        <p:nvPicPr>
+          <p:cNvPr id="2050" name="Picture 2" descr="UV light source - PX-2 - Ocean Insight - xenon lamp / pulsed / miniature">
+            <a:extLst>
+              <a:ext uri="{FF2B5EF4-FFF2-40B4-BE49-F238E27FC236}">
+                <a16:creationId xmlns:a16="http://schemas.microsoft.com/office/drawing/2014/main" id="{C6E31982-4B29-0063-F143-2404CFB6A800}"/>
+              </a:ext>
+            </a:extLst>
+          </p:cNvPr>
+          <p:cNvPicPr>
+            <a:picLocks noChangeAspect="1" noChangeArrowheads="1"/>
+          </p:cNvPicPr>
+          <p:nvPr/>
+        </p:nvPicPr>
+        <p:blipFill>
+          <a:blip r:embed="rId2">
+            <a:extLst>
+              <a:ext uri="{28A0092B-C50C-407E-A947-70E740481C1C}">
+                <a14:useLocalDpi xmlns:a14="http://schemas.microsoft.com/office/drawing/2010/main" val="0"/>
+              </a:ext>
+            </a:extLst>
+          </a:blip>
+          <a:srcRect/>
+          <a:stretch>
+            <a:fillRect/>
+          </a:stretch>
+        </p:blipFill>
+        <p:spPr bwMode="auto">
+          <a:xfrm>
+            <a:off x="8233717" y="2999463"/>
+            <a:ext cx="3684905" cy="3684905"/>
+          </a:xfrm>
+          <a:prstGeom prst="rect">
+            <a:avLst/>
+          </a:prstGeom>
+          <a:noFill/>
+          <a:extLst>
+            <a:ext uri="{909E8E84-426E-40DD-AFC4-6F175D3DCCD1}">
+              <a14:hiddenFill xmlns:a14="http://schemas.microsoft.com/office/drawing/2010/main">
+                <a:solidFill>
+                  <a:srgbClr val="FFFFFF"/>
+                </a:solidFill>
+              </a14:hiddenFill>
+            </a:ext>
+          </a:extLst>
+        </p:spPr>
+      </p:pic>
+      <p:sp>
+        <p:nvSpPr>
+          <p:cNvPr id="8" name="TextBox 7">
+            <a:extLst>
+              <a:ext uri="{FF2B5EF4-FFF2-40B4-BE49-F238E27FC236}">
+                <a16:creationId xmlns:a16="http://schemas.microsoft.com/office/drawing/2014/main" id="{F3B5D7A7-2905-0702-2B5C-58A23EC78087}"/>
+              </a:ext>
+            </a:extLst>
+          </p:cNvPr>
+          <p:cNvSpPr txBox="1"/>
+          <p:nvPr/>
+        </p:nvSpPr>
+        <p:spPr>
+          <a:xfrm>
+            <a:off x="273378" y="2833042"/>
+            <a:ext cx="8516929" cy="923330"/>
+          </a:xfrm>
+          <a:prstGeom prst="rect">
+            <a:avLst/>
+          </a:prstGeom>
+          <a:noFill/>
+        </p:spPr>
+        <p:txBody>
+          <a:bodyPr wrap="square">
+            <a:spAutoFit/>
+          </a:bodyPr>
+          <a:lstStyle/>
+          <a:p>
+            <a:pPr marL="285750" indent="-285750">
+              <a:buFontTx/>
+              <a:buChar char="-"/>
+            </a:pPr>
+            <a:r>
+              <a:rPr lang="en-AU" sz="1800" dirty="0"/>
+              <a:t>Typically part of the whole setup, little ongoing consideration</a:t>
+            </a:r>
+          </a:p>
+          <a:p>
+            <a:pPr marL="285750" indent="-285750">
+              <a:buFontTx/>
+              <a:buChar char="-"/>
+            </a:pPr>
+            <a:endParaRPr lang="en-AU" sz="1800" dirty="0"/>
+          </a:p>
+          <a:p>
+            <a:pPr marL="285750" indent="-285750">
+              <a:buFontTx/>
+              <a:buChar char="-"/>
+            </a:pPr>
+            <a:r>
+              <a:rPr lang="en-AU" dirty="0"/>
+              <a:t>BYO. Very rarely use ‘natural’ light, instead block ambient light and use:</a:t>
+            </a:r>
+            <a:endParaRPr lang="en-AU" sz="1800" dirty="0"/>
+          </a:p>
+        </p:txBody>
+      </p:sp>
+    </p:spTree>
+    <p:extLst>
+      <p:ext uri="{BB962C8B-B14F-4D97-AF65-F5344CB8AC3E}">
+        <p14:creationId xmlns:p14="http://schemas.microsoft.com/office/powerpoint/2010/main" val="3080783829"/>
+      </p:ext>
+    </p:extLst>
+  </p:cSld>
+  <p:clrMapOvr>
+    <a:masterClrMapping/>
+  </p:clrMapOvr>
+</p:sld>
+</file>
+
+<file path=ppt/slides/slide6.xml><?xml version="1.0" encoding="utf-8"?>
+<p:sld xmlns:a="http://schemas.openxmlformats.org/drawingml/2006/main" xmlns:r="http://schemas.openxmlformats.org/officeDocument/2006/relationships" xmlns:p="http://schemas.openxmlformats.org/presentationml/2006/main">
+  <p:cSld>
+    <p:bg>
+      <p:bgPr>
+        <a:solidFill>
+          <a:schemeClr val="bg1"/>
+        </a:solidFill>
+        <a:effectLst/>
+      </p:bgPr>
+    </p:bg>
+    <p:spTree>
+      <p:nvGrpSpPr>
+        <p:cNvPr id="1" name="">
+          <a:extLst>
+            <a:ext uri="{FF2B5EF4-FFF2-40B4-BE49-F238E27FC236}">
+              <a16:creationId xmlns:a16="http://schemas.microsoft.com/office/drawing/2014/main" id="{036C4B4A-C6FA-F929-0188-B8A3A0D7C38D}"/>
+            </a:ext>
+          </a:extLst>
+        </p:cNvPr>
+        <p:cNvGrpSpPr/>
+        <p:nvPr/>
+      </p:nvGrpSpPr>
+      <p:grpSpPr>
+        <a:xfrm>
+          <a:off x="0" y="0"/>
+          <a:ext cx="0" cy="0"/>
+          <a:chOff x="0" y="0"/>
+          <a:chExt cx="0" cy="0"/>
+        </a:xfrm>
+      </p:grpSpPr>
+      <p:sp useBgFill="1">
+        <p:nvSpPr>
+          <p:cNvPr id="11" name="Rectangle 10">
+            <a:extLst>
+              <a:ext uri="{FF2B5EF4-FFF2-40B4-BE49-F238E27FC236}">
+                <a16:creationId xmlns:a16="http://schemas.microsoft.com/office/drawing/2014/main" id="{2C9A9DA9-7DC8-488B-A882-123947B0F3D9}"/>
+              </a:ext>
+              <a:ext uri="{C183D7F6-B498-43B3-948B-1728B52AA6E4}">
+                <adec:decorative xmlns:adec="http://schemas.microsoft.com/office/drawing/2017/decorative" val="1"/>
+              </a:ext>
+            </a:extLst>
+          </p:cNvPr>
+          <p:cNvSpPr>
+            <a:spLocks noGrp="1" noRot="1" noChangeAspect="1" noMove="1" noResize="1" noEditPoints="1" noAdjustHandles="1" noChangeArrowheads="1" noChangeShapeType="1" noTextEdit="1"/>
+          </p:cNvSpPr>
+          <p:nvPr>
+            <p:extLst>
+              <p:ext uri="{386F3935-93C4-4BCD-93E2-E3B085C9AB24}">
+                <p16:designElem xmlns:p16="http://schemas.microsoft.com/office/powerpoint/2015/main" val="1"/>
+              </p:ext>
+            </p:extLst>
+          </p:nvPr>
+        </p:nvSpPr>
+        <p:spPr>
+          <a:xfrm>
+            <a:off x="0" y="0"/>
+            <a:ext cx="12192000" cy="6858000"/>
+          </a:xfrm>
+          <a:prstGeom prst="rect">
+            <a:avLst/>
+          </a:prstGeom>
+          <a:ln>
+            <a:noFill/>
+          </a:ln>
+        </p:spPr>
+        <p:style>
+          <a:lnRef idx="2">
+            <a:schemeClr val="accent1">
+              <a:shade val="50000"/>
+            </a:schemeClr>
+          </a:lnRef>
+          <a:fillRef idx="1">
+            <a:schemeClr val="accent1"/>
+          </a:fillRef>
+          <a:effectRef idx="0">
+            <a:schemeClr val="accent1"/>
+          </a:effectRef>
+          <a:fontRef idx="minor">
+            <a:schemeClr val="lt1"/>
+          </a:fontRef>
+        </p:style>
+        <p:txBody>
+          <a:bodyPr rtlCol="0" anchor="ctr"/>
+          <a:lstStyle/>
+          <a:p>
+            <a:pPr algn="ctr"/>
+            <a:endParaRPr lang="en-US"/>
+          </a:p>
+        </p:txBody>
+      </p:sp>
+      <p:sp useBgFill="1">
+        <p:nvSpPr>
+          <p:cNvPr id="13" name="Rectangle 12">
+            <a:extLst>
+              <a:ext uri="{FF2B5EF4-FFF2-40B4-BE49-F238E27FC236}">
+                <a16:creationId xmlns:a16="http://schemas.microsoft.com/office/drawing/2014/main" id="{57F6BDD4-E066-4008-8011-6CC31AEB4556}"/>
+              </a:ext>
+              <a:ext uri="{C183D7F6-B498-43B3-948B-1728B52AA6E4}">
+                <adec:decorative xmlns:adec="http://schemas.microsoft.com/office/drawing/2017/decorative" val="1"/>
+              </a:ext>
+            </a:extLst>
+          </p:cNvPr>
+          <p:cNvSpPr>
+            <a:spLocks noGrp="1" noRot="1" noChangeAspect="1" noMove="1" noResize="1" noEditPoints="1" noAdjustHandles="1" noChangeArrowheads="1" noChangeShapeType="1" noTextEdit="1"/>
+          </p:cNvSpPr>
+          <p:nvPr>
+            <p:extLst>
+              <p:ext uri="{386F3935-93C4-4BCD-93E2-E3B085C9AB24}">
+                <p16:designElem xmlns:p16="http://schemas.microsoft.com/office/powerpoint/2015/main" val="1"/>
+              </p:ext>
+            </p:extLst>
+          </p:nvPr>
+        </p:nvSpPr>
+        <p:spPr>
+          <a:xfrm>
+            <a:off x="409575" y="633619"/>
+            <a:ext cx="6838569" cy="5495925"/>
+          </a:xfrm>
+          <a:prstGeom prst="rect">
+            <a:avLst/>
+          </a:prstGeom>
+          <a:ln w="9525">
+            <a:solidFill>
+              <a:schemeClr val="tx2">
+                <a:lumMod val="10000"/>
+                <a:lumOff val="90000"/>
+              </a:schemeClr>
+            </a:solidFill>
+          </a:ln>
+          <a:effectLst>
+            <a:outerShdw blurRad="50800" dist="38100" dir="2700000" algn="tl" rotWithShape="0">
+              <a:schemeClr val="bg1">
+                <a:lumMod val="85000"/>
+                <a:alpha val="30000"/>
+              </a:schemeClr>
+            </a:outerShdw>
+          </a:effectLst>
+        </p:spPr>
+        <p:style>
+          <a:lnRef idx="2">
+            <a:schemeClr val="accent1">
+              <a:shade val="50000"/>
+            </a:schemeClr>
+          </a:lnRef>
+          <a:fillRef idx="1">
+            <a:schemeClr val="accent1"/>
+          </a:fillRef>
+          <a:effectRef idx="0">
+            <a:schemeClr val="accent1"/>
+          </a:effectRef>
+          <a:fontRef idx="minor">
+            <a:schemeClr val="lt1"/>
+          </a:fontRef>
+        </p:style>
+        <p:txBody>
+          <a:bodyPr rtlCol="0" anchor="ctr"/>
+          <a:lstStyle/>
+          <a:p>
+            <a:pPr marL="0" marR="0" lvl="0" indent="0" algn="ctr" defTabSz="914400" rtl="0" eaLnBrk="1" fontAlgn="auto" latinLnBrk="0" hangingPunct="1">
+              <a:lnSpc>
+                <a:spcPct val="100000"/>
+              </a:lnSpc>
+              <a:spcBef>
+                <a:spcPts val="0"/>
+              </a:spcBef>
+              <a:spcAft>
+                <a:spcPts val="0"/>
+              </a:spcAft>
+              <a:buClrTx/>
+              <a:buSzTx/>
+              <a:buFontTx/>
+              <a:buNone/>
+              <a:tabLst/>
+              <a:defRPr/>
+            </a:pPr>
+            <a:endParaRPr kumimoji="0" lang="en-US" sz="1800" b="0" i="0" u="none" strike="noStrike" kern="1200" cap="none" spc="0" normalizeH="0" baseline="0" noProof="0">
+              <a:ln>
+                <a:noFill/>
+              </a:ln>
+              <a:solidFill>
+                <a:prstClr val="white"/>
+              </a:solidFill>
+              <a:effectLst/>
+              <a:uLnTx/>
+              <a:uFillTx/>
+              <a:latin typeface="Calibri" panose="020F0502020204030204"/>
+              <a:ea typeface="+mn-ea"/>
+              <a:cs typeface="+mn-cs"/>
+            </a:endParaRPr>
+          </a:p>
+        </p:txBody>
+      </p:sp>
+      <p:sp>
+        <p:nvSpPr>
+          <p:cNvPr id="2" name="Title 1">
+            <a:extLst>
+              <a:ext uri="{FF2B5EF4-FFF2-40B4-BE49-F238E27FC236}">
+                <a16:creationId xmlns:a16="http://schemas.microsoft.com/office/drawing/2014/main" id="{33EC17FB-DBA0-0E5C-4939-EA2BDCF3753F}"/>
+              </a:ext>
+            </a:extLst>
+          </p:cNvPr>
+          <p:cNvSpPr>
+            <a:spLocks noGrp="1"/>
+          </p:cNvSpPr>
+          <p:nvPr>
+            <p:ph type="title"/>
+          </p:nvPr>
+        </p:nvSpPr>
+        <p:spPr>
+          <a:xfrm>
+            <a:off x="841246" y="978619"/>
+            <a:ext cx="5991244" cy="1106424"/>
+          </a:xfrm>
+        </p:spPr>
+        <p:txBody>
+          <a:bodyPr vert="horz" lIns="91440" tIns="45720" rIns="91440" bIns="45720" rtlCol="0" anchor="ctr">
+            <a:normAutofit/>
+          </a:bodyPr>
+          <a:lstStyle/>
+          <a:p>
+            <a:r>
+              <a:rPr lang="en-US" sz="3200" dirty="0"/>
+              <a:t>Geometry</a:t>
+            </a:r>
+          </a:p>
+        </p:txBody>
+      </p:sp>
+      <p:sp>
+        <p:nvSpPr>
+          <p:cNvPr id="15" name="Rectangle 14">
+            <a:extLst>
+              <a:ext uri="{FF2B5EF4-FFF2-40B4-BE49-F238E27FC236}">
+                <a16:creationId xmlns:a16="http://schemas.microsoft.com/office/drawing/2014/main" id="{2711A8FB-68FC-45FC-B01E-38F809E2D439}"/>
+              </a:ext>
+              <a:ext uri="{C183D7F6-B498-43B3-948B-1728B52AA6E4}">
+                <adec:decorative xmlns:adec="http://schemas.microsoft.com/office/drawing/2017/decorative" val="1"/>
+              </a:ext>
+            </a:extLst>
+          </p:cNvPr>
+          <p:cNvSpPr>
+            <a:spLocks noGrp="1" noRot="1" noChangeAspect="1" noMove="1" noResize="1" noEditPoints="1" noAdjustHandles="1" noChangeArrowheads="1" noChangeShapeType="1" noTextEdit="1"/>
+          </p:cNvSpPr>
+          <p:nvPr>
+            <p:extLst>
+              <p:ext uri="{386F3935-93C4-4BCD-93E2-E3B085C9AB24}">
+                <p16:designElem xmlns:p16="http://schemas.microsoft.com/office/powerpoint/2015/main" val="1"/>
+              </p:ext>
+            </p:extLst>
+          </p:nvPr>
+        </p:nvSpPr>
+        <p:spPr>
+          <a:xfrm>
+            <a:off x="345567" y="1171300"/>
+            <a:ext cx="128016" cy="704088"/>
+          </a:xfrm>
+          <a:prstGeom prst="rect">
+            <a:avLst/>
+          </a:prstGeom>
+          <a:solidFill>
+            <a:schemeClr val="accent1"/>
+          </a:solidFill>
+          <a:ln>
+            <a:noFill/>
+          </a:ln>
+        </p:spPr>
+        <p:style>
+          <a:lnRef idx="2">
+            <a:schemeClr val="accent1">
+              <a:shade val="50000"/>
+            </a:schemeClr>
+          </a:lnRef>
+          <a:fillRef idx="1">
+            <a:schemeClr val="accent1"/>
+          </a:fillRef>
+          <a:effectRef idx="0">
+            <a:schemeClr val="accent1"/>
+          </a:effectRef>
+          <a:fontRef idx="minor">
+            <a:schemeClr val="lt1"/>
+          </a:fontRef>
+        </p:style>
+        <p:txBody>
+          <a:bodyPr rtlCol="0" anchor="ctr"/>
+          <a:lstStyle/>
+          <a:p>
+            <a:pPr marL="0" marR="0" lvl="0" indent="0" algn="ctr" defTabSz="914400" rtl="0" eaLnBrk="1" fontAlgn="auto" latinLnBrk="0" hangingPunct="1">
+              <a:lnSpc>
+                <a:spcPct val="100000"/>
+              </a:lnSpc>
+              <a:spcBef>
+                <a:spcPts val="0"/>
+              </a:spcBef>
+              <a:spcAft>
+                <a:spcPts val="0"/>
+              </a:spcAft>
+              <a:buClrTx/>
+              <a:buSzTx/>
+              <a:buFontTx/>
+              <a:buNone/>
+              <a:tabLst/>
+              <a:defRPr/>
+            </a:pPr>
+            <a:endParaRPr kumimoji="0" lang="en-US" sz="1800" b="0" i="0" u="none" strike="noStrike" kern="1200" cap="none" spc="0" normalizeH="0" baseline="0" noProof="0">
+              <a:ln>
+                <a:noFill/>
+              </a:ln>
+              <a:solidFill>
+                <a:prstClr val="white"/>
+              </a:solidFill>
+              <a:effectLst/>
+              <a:uLnTx/>
+              <a:uFillTx/>
+              <a:latin typeface="Calibri" panose="020F0502020204030204"/>
+              <a:ea typeface="+mn-ea"/>
+              <a:cs typeface="+mn-cs"/>
+            </a:endParaRPr>
+          </a:p>
+        </p:txBody>
+      </p:sp>
+      <p:sp>
+        <p:nvSpPr>
+          <p:cNvPr id="17" name="Rectangle 16">
+            <a:extLst>
+              <a:ext uri="{FF2B5EF4-FFF2-40B4-BE49-F238E27FC236}">
+                <a16:creationId xmlns:a16="http://schemas.microsoft.com/office/drawing/2014/main" id="{2A865FE3-5FC9-4049-87CF-30019C46C0F5}"/>
+              </a:ext>
+              <a:ext uri="{C183D7F6-B498-43B3-948B-1728B52AA6E4}">
+                <adec:decorative xmlns:adec="http://schemas.microsoft.com/office/drawing/2017/decorative" val="1"/>
+              </a:ext>
+            </a:extLst>
+          </p:cNvPr>
+          <p:cNvSpPr>
+            <a:spLocks noGrp="1" noRot="1" noChangeAspect="1" noMove="1" noResize="1" noEditPoints="1" noAdjustHandles="1" noChangeArrowheads="1" noChangeShapeType="1" noTextEdit="1"/>
+          </p:cNvSpPr>
+          <p:nvPr>
+            <p:extLst>
+              <p:ext uri="{386F3935-93C4-4BCD-93E2-E3B085C9AB24}">
+                <p16:designElem xmlns:p16="http://schemas.microsoft.com/office/powerpoint/2015/main" val="1"/>
+              </p:ext>
+            </p:extLst>
+          </p:nvPr>
+        </p:nvSpPr>
+        <p:spPr>
+          <a:xfrm>
+            <a:off x="877458" y="2093976"/>
+            <a:ext cx="5846683" cy="9144"/>
+          </a:xfrm>
+          <a:prstGeom prst="rect">
+            <a:avLst/>
+          </a:prstGeom>
+          <a:solidFill>
+            <a:schemeClr val="tx2">
+              <a:lumMod val="25000"/>
+              <a:lumOff val="75000"/>
+            </a:schemeClr>
+          </a:solidFill>
+          <a:ln w="3175">
+            <a:noFill/>
+          </a:ln>
+          <a:effectLst/>
+        </p:spPr>
+        <p:style>
+          <a:lnRef idx="2">
+            <a:schemeClr val="accent1">
+              <a:shade val="50000"/>
+            </a:schemeClr>
+          </a:lnRef>
+          <a:fillRef idx="1">
+            <a:schemeClr val="accent1"/>
+          </a:fillRef>
+          <a:effectRef idx="0">
+            <a:schemeClr val="accent1"/>
+          </a:effectRef>
+          <a:fontRef idx="minor">
+            <a:schemeClr val="lt1"/>
+          </a:fontRef>
+        </p:style>
+        <p:txBody>
+          <a:bodyPr rtlCol="0" anchor="ctr"/>
+          <a:lstStyle/>
+          <a:p>
+            <a:pPr marL="0" marR="0" lvl="0" indent="0" algn="ctr" defTabSz="914400" rtl="0" eaLnBrk="1" fontAlgn="auto" latinLnBrk="0" hangingPunct="1">
+              <a:lnSpc>
+                <a:spcPct val="100000"/>
+              </a:lnSpc>
+              <a:spcBef>
+                <a:spcPts val="0"/>
+              </a:spcBef>
+              <a:spcAft>
+                <a:spcPts val="0"/>
+              </a:spcAft>
+              <a:buClrTx/>
+              <a:buSzTx/>
+              <a:buFontTx/>
+              <a:buNone/>
+              <a:tabLst/>
+              <a:defRPr/>
+            </a:pPr>
+            <a:endParaRPr kumimoji="0" lang="en-US" sz="1800" b="0" i="0" u="none" strike="noStrike" kern="1200" cap="none" spc="0" normalizeH="0" baseline="0" noProof="0">
+              <a:ln>
+                <a:noFill/>
+              </a:ln>
+              <a:solidFill>
+                <a:prstClr val="white"/>
+              </a:solidFill>
+              <a:effectLst/>
+              <a:uLnTx/>
+              <a:uFillTx/>
+              <a:latin typeface="Calibri" panose="020F0502020204030204"/>
+              <a:ea typeface="+mn-ea"/>
+              <a:cs typeface="+mn-cs"/>
+            </a:endParaRPr>
+          </a:p>
+        </p:txBody>
+      </p:sp>
+      <p:sp>
+        <p:nvSpPr>
+          <p:cNvPr id="6" name="TextBox 5">
+            <a:extLst>
+              <a:ext uri="{FF2B5EF4-FFF2-40B4-BE49-F238E27FC236}">
+                <a16:creationId xmlns:a16="http://schemas.microsoft.com/office/drawing/2014/main" id="{4CEC431C-013F-FFC2-3D7E-E4C7B5604C52}"/>
+              </a:ext>
+            </a:extLst>
+          </p:cNvPr>
+          <p:cNvSpPr txBox="1"/>
+          <p:nvPr/>
+        </p:nvSpPr>
+        <p:spPr>
+          <a:xfrm>
+            <a:off x="841248" y="2252870"/>
+            <a:ext cx="5993892" cy="3560251"/>
+          </a:xfrm>
+          <a:prstGeom prst="rect">
+            <a:avLst/>
+          </a:prstGeom>
+        </p:spPr>
+        <p:txBody>
+          <a:bodyPr vert="horz" lIns="91440" tIns="45720" rIns="91440" bIns="45720" rtlCol="0">
+            <a:normAutofit/>
+          </a:bodyPr>
+          <a:lstStyle/>
+          <a:p>
+            <a:pPr indent="-228600">
+              <a:lnSpc>
+                <a:spcPct val="150000"/>
+              </a:lnSpc>
+              <a:spcAft>
+                <a:spcPts val="600"/>
+              </a:spcAft>
+              <a:buFont typeface="Arial" panose="020B0604020202020204" pitchFamily="34" charset="0"/>
+              <a:buChar char="•"/>
+            </a:pPr>
+            <a:r>
+              <a:rPr lang="en-US" dirty="0">
+                <a:effectLst/>
+              </a:rPr>
+              <a:t>Relationship between light, sample, collector</a:t>
+            </a:r>
+          </a:p>
+          <a:p>
+            <a:pPr indent="-228600">
+              <a:lnSpc>
+                <a:spcPct val="150000"/>
+              </a:lnSpc>
+              <a:spcAft>
+                <a:spcPts val="600"/>
+              </a:spcAft>
+              <a:buFont typeface="Arial" panose="020B0604020202020204" pitchFamily="34" charset="0"/>
+              <a:buChar char="•"/>
+            </a:pPr>
+            <a:r>
+              <a:rPr lang="en-US" dirty="0"/>
+              <a:t>Need to consider specular (‘mirror’) vs diffuse samples &amp; measurements</a:t>
+            </a:r>
+          </a:p>
+          <a:p>
+            <a:pPr indent="-228600">
+              <a:lnSpc>
+                <a:spcPct val="150000"/>
+              </a:lnSpc>
+              <a:spcAft>
+                <a:spcPts val="600"/>
+              </a:spcAft>
+              <a:buFont typeface="Arial" panose="020B0604020202020204" pitchFamily="34" charset="0"/>
+              <a:buChar char="•"/>
+            </a:pPr>
+            <a:r>
+              <a:rPr lang="en-US" dirty="0"/>
+              <a:t>Need to take sample measurements under same setup (geometry, distances) as standards</a:t>
+            </a:r>
+          </a:p>
+          <a:p>
+            <a:pPr indent="-228600">
+              <a:lnSpc>
+                <a:spcPct val="150000"/>
+              </a:lnSpc>
+              <a:spcAft>
+                <a:spcPts val="600"/>
+              </a:spcAft>
+              <a:buFont typeface="Arial" panose="020B0604020202020204" pitchFamily="34" charset="0"/>
+              <a:buChar char="•"/>
+            </a:pPr>
+            <a:endParaRPr lang="en-US" dirty="0"/>
+          </a:p>
+          <a:p>
+            <a:pPr indent="-228600">
+              <a:lnSpc>
+                <a:spcPct val="150000"/>
+              </a:lnSpc>
+              <a:spcAft>
+                <a:spcPts val="600"/>
+              </a:spcAft>
+              <a:buFont typeface="Arial" panose="020B0604020202020204" pitchFamily="34" charset="0"/>
+              <a:buChar char="•"/>
+            </a:pPr>
+            <a:endParaRPr lang="en-US" dirty="0">
+              <a:effectLst/>
+            </a:endParaRPr>
+          </a:p>
+          <a:p>
+            <a:pPr indent="-228600">
+              <a:lnSpc>
+                <a:spcPct val="150000"/>
+              </a:lnSpc>
+              <a:spcAft>
+                <a:spcPts val="600"/>
+              </a:spcAft>
+              <a:buFont typeface="Arial" panose="020B0604020202020204" pitchFamily="34" charset="0"/>
+              <a:buChar char="•"/>
+            </a:pPr>
+            <a:endParaRPr lang="en-US" dirty="0">
+              <a:effectLst/>
+            </a:endParaRPr>
+          </a:p>
+        </p:txBody>
+      </p:sp>
+      <p:pic>
+        <p:nvPicPr>
+          <p:cNvPr id="3" name="Picture 2" descr="Diagram of a diagram of a solar system&#10;&#10;Description automatically generated">
+            <a:extLst>
+              <a:ext uri="{FF2B5EF4-FFF2-40B4-BE49-F238E27FC236}">
+                <a16:creationId xmlns:a16="http://schemas.microsoft.com/office/drawing/2014/main" id="{2AA84A24-CFB1-0ECD-7253-9AFB28DBA81E}"/>
+              </a:ext>
+            </a:extLst>
+          </p:cNvPr>
+          <p:cNvPicPr>
+            <a:picLocks noChangeAspect="1"/>
+          </p:cNvPicPr>
+          <p:nvPr/>
+        </p:nvPicPr>
+        <p:blipFill>
+          <a:blip r:embed="rId2"/>
+          <a:stretch>
+            <a:fillRect/>
+          </a:stretch>
+        </p:blipFill>
+        <p:spPr>
+          <a:xfrm>
+            <a:off x="7300374" y="343371"/>
+            <a:ext cx="4891626" cy="6114534"/>
+          </a:xfrm>
+          <a:prstGeom prst="rect">
+            <a:avLst/>
+          </a:prstGeom>
+        </p:spPr>
+      </p:pic>
+    </p:spTree>
+    <p:extLst>
+      <p:ext uri="{BB962C8B-B14F-4D97-AF65-F5344CB8AC3E}">
+        <p14:creationId xmlns:p14="http://schemas.microsoft.com/office/powerpoint/2010/main" val="1272938630"/>
+      </p:ext>
+    </p:extLst>
+  </p:cSld>
+  <p:clrMapOvr>
+    <a:masterClrMapping/>
+  </p:clrMapOvr>
+</p:sld>
+</file>
+
+<file path=ppt/slides/slide7.xml><?xml version="1.0" encoding="utf-8"?>
+<p:sld xmlns:a="http://schemas.openxmlformats.org/drawingml/2006/main" xmlns:r="http://schemas.openxmlformats.org/officeDocument/2006/relationships" xmlns:p="http://schemas.openxmlformats.org/presentationml/2006/main">
+  <p:cSld>
+    <p:bg>
+      <p:bgPr>
+        <a:solidFill>
+          <a:schemeClr val="bg1"/>
+        </a:solidFill>
+        <a:effectLst/>
+      </p:bgPr>
+    </p:bg>
+    <p:spTree>
+      <p:nvGrpSpPr>
+        <p:cNvPr id="1" name="">
+          <a:extLst>
+            <a:ext uri="{FF2B5EF4-FFF2-40B4-BE49-F238E27FC236}">
+              <a16:creationId xmlns:a16="http://schemas.microsoft.com/office/drawing/2014/main" id="{9BA966C5-24B6-F38E-E8A0-B8FAAD967B81}"/>
+            </a:ext>
+          </a:extLst>
+        </p:cNvPr>
+        <p:cNvGrpSpPr/>
+        <p:nvPr/>
+      </p:nvGrpSpPr>
+      <p:grpSpPr>
+        <a:xfrm>
+          <a:off x="0" y="0"/>
+          <a:ext cx="0" cy="0"/>
+          <a:chOff x="0" y="0"/>
+          <a:chExt cx="0" cy="0"/>
+        </a:xfrm>
+      </p:grpSpPr>
+      <p:sp useBgFill="1">
+        <p:nvSpPr>
+          <p:cNvPr id="11" name="Rectangle 10">
+            <a:extLst>
+              <a:ext uri="{FF2B5EF4-FFF2-40B4-BE49-F238E27FC236}">
+                <a16:creationId xmlns:a16="http://schemas.microsoft.com/office/drawing/2014/main" id="{D2BCDC95-0E22-F651-5D6C-39C51CB0A593}"/>
+              </a:ext>
+              <a:ext uri="{C183D7F6-B498-43B3-948B-1728B52AA6E4}">
+                <adec:decorative xmlns:adec="http://schemas.microsoft.com/office/drawing/2017/decorative" val="1"/>
+              </a:ext>
+            </a:extLst>
+          </p:cNvPr>
+          <p:cNvSpPr>
+            <a:spLocks noGrp="1" noRot="1" noChangeAspect="1" noMove="1" noResize="1" noEditPoints="1" noAdjustHandles="1" noChangeArrowheads="1" noChangeShapeType="1" noTextEdit="1"/>
+          </p:cNvSpPr>
+          <p:nvPr>
+            <p:extLst>
+              <p:ext uri="{386F3935-93C4-4BCD-93E2-E3B085C9AB24}">
+                <p16:designElem xmlns:p16="http://schemas.microsoft.com/office/powerpoint/2015/main" val="1"/>
+              </p:ext>
+            </p:extLst>
+          </p:nvPr>
+        </p:nvSpPr>
+        <p:spPr>
+          <a:xfrm>
+            <a:off x="0" y="0"/>
+            <a:ext cx="12192000" cy="6858000"/>
+          </a:xfrm>
+          <a:prstGeom prst="rect">
+            <a:avLst/>
+          </a:prstGeom>
+          <a:ln>
+            <a:noFill/>
+          </a:ln>
+        </p:spPr>
+        <p:style>
+          <a:lnRef idx="2">
+            <a:schemeClr val="accent1">
+              <a:shade val="50000"/>
+            </a:schemeClr>
+          </a:lnRef>
+          <a:fillRef idx="1">
+            <a:schemeClr val="accent1"/>
+          </a:fillRef>
+          <a:effectRef idx="0">
+            <a:schemeClr val="accent1"/>
+          </a:effectRef>
+          <a:fontRef idx="minor">
+            <a:schemeClr val="lt1"/>
+          </a:fontRef>
+        </p:style>
+        <p:txBody>
+          <a:bodyPr rtlCol="0" anchor="ctr"/>
+          <a:lstStyle/>
+          <a:p>
+            <a:pPr algn="ctr"/>
+            <a:endParaRPr lang="en-US"/>
+          </a:p>
+        </p:txBody>
+      </p:sp>
+      <p:sp useBgFill="1">
+        <p:nvSpPr>
+          <p:cNvPr id="13" name="Rectangle 12">
+            <a:extLst>
+              <a:ext uri="{FF2B5EF4-FFF2-40B4-BE49-F238E27FC236}">
+                <a16:creationId xmlns:a16="http://schemas.microsoft.com/office/drawing/2014/main" id="{86738FA7-7E9B-25E7-6323-9DF3A218E839}"/>
+              </a:ext>
+              <a:ext uri="{C183D7F6-B498-43B3-948B-1728B52AA6E4}">
+                <adec:decorative xmlns:adec="http://schemas.microsoft.com/office/drawing/2017/decorative" val="1"/>
+              </a:ext>
+            </a:extLst>
+          </p:cNvPr>
+          <p:cNvSpPr>
+            <a:spLocks noGrp="1" noRot="1" noChangeAspect="1" noMove="1" noResize="1" noEditPoints="1" noAdjustHandles="1" noChangeArrowheads="1" noChangeShapeType="1" noTextEdit="1"/>
+          </p:cNvSpPr>
+          <p:nvPr>
+            <p:extLst>
+              <p:ext uri="{386F3935-93C4-4BCD-93E2-E3B085C9AB24}">
+                <p16:designElem xmlns:p16="http://schemas.microsoft.com/office/powerpoint/2015/main" val="1"/>
+              </p:ext>
+            </p:extLst>
+          </p:nvPr>
+        </p:nvSpPr>
+        <p:spPr>
+          <a:xfrm>
+            <a:off x="409575" y="633619"/>
+            <a:ext cx="6838569" cy="5495925"/>
+          </a:xfrm>
+          <a:prstGeom prst="rect">
+            <a:avLst/>
+          </a:prstGeom>
+          <a:ln w="9525">
+            <a:solidFill>
+              <a:schemeClr val="tx2">
+                <a:lumMod val="10000"/>
+                <a:lumOff val="90000"/>
+              </a:schemeClr>
+            </a:solidFill>
+          </a:ln>
+          <a:effectLst>
+            <a:outerShdw blurRad="50800" dist="38100" dir="2700000" algn="tl" rotWithShape="0">
+              <a:schemeClr val="bg1">
+                <a:lumMod val="85000"/>
+                <a:alpha val="30000"/>
+              </a:schemeClr>
+            </a:outerShdw>
+          </a:effectLst>
+        </p:spPr>
+        <p:style>
+          <a:lnRef idx="2">
+            <a:schemeClr val="accent1">
+              <a:shade val="50000"/>
+            </a:schemeClr>
+          </a:lnRef>
+          <a:fillRef idx="1">
+            <a:schemeClr val="accent1"/>
+          </a:fillRef>
+          <a:effectRef idx="0">
+            <a:schemeClr val="accent1"/>
+          </a:effectRef>
+          <a:fontRef idx="minor">
+            <a:schemeClr val="lt1"/>
+          </a:fontRef>
+        </p:style>
+        <p:txBody>
+          <a:bodyPr rtlCol="0" anchor="ctr"/>
+          <a:lstStyle/>
+          <a:p>
+            <a:pPr marL="0" marR="0" lvl="0" indent="0" algn="ctr" defTabSz="914400" rtl="0" eaLnBrk="1" fontAlgn="auto" latinLnBrk="0" hangingPunct="1">
+              <a:lnSpc>
+                <a:spcPct val="100000"/>
+              </a:lnSpc>
+              <a:spcBef>
+                <a:spcPts val="0"/>
+              </a:spcBef>
+              <a:spcAft>
+                <a:spcPts val="0"/>
+              </a:spcAft>
+              <a:buClrTx/>
+              <a:buSzTx/>
+              <a:buFontTx/>
+              <a:buNone/>
+              <a:tabLst/>
+              <a:defRPr/>
+            </a:pPr>
+            <a:endParaRPr kumimoji="0" lang="en-US" sz="1800" b="0" i="0" u="none" strike="noStrike" kern="1200" cap="none" spc="0" normalizeH="0" baseline="0" noProof="0">
+              <a:ln>
+                <a:noFill/>
+              </a:ln>
+              <a:solidFill>
+                <a:prstClr val="white"/>
+              </a:solidFill>
+              <a:effectLst/>
+              <a:uLnTx/>
+              <a:uFillTx/>
+              <a:latin typeface="Calibri" panose="020F0502020204030204"/>
+              <a:ea typeface="+mn-ea"/>
+              <a:cs typeface="+mn-cs"/>
+            </a:endParaRPr>
+          </a:p>
+        </p:txBody>
+      </p:sp>
+      <p:sp>
+        <p:nvSpPr>
+          <p:cNvPr id="2" name="Title 1">
+            <a:extLst>
+              <a:ext uri="{FF2B5EF4-FFF2-40B4-BE49-F238E27FC236}">
+                <a16:creationId xmlns:a16="http://schemas.microsoft.com/office/drawing/2014/main" id="{24A86832-6047-0C03-8321-E0A7AE0CC365}"/>
+              </a:ext>
+            </a:extLst>
+          </p:cNvPr>
+          <p:cNvSpPr>
+            <a:spLocks noGrp="1"/>
+          </p:cNvSpPr>
+          <p:nvPr>
+            <p:ph type="title"/>
+          </p:nvPr>
+        </p:nvSpPr>
+        <p:spPr>
+          <a:xfrm>
+            <a:off x="841246" y="978619"/>
+            <a:ext cx="5991244" cy="1106424"/>
+          </a:xfrm>
+        </p:spPr>
+        <p:txBody>
+          <a:bodyPr vert="horz" lIns="91440" tIns="45720" rIns="91440" bIns="45720" rtlCol="0" anchor="ctr">
+            <a:normAutofit/>
+          </a:bodyPr>
+          <a:lstStyle/>
+          <a:p>
+            <a:r>
+              <a:rPr lang="en-US" sz="3200" dirty="0"/>
+              <a:t>Standards</a:t>
+            </a:r>
+          </a:p>
+        </p:txBody>
+      </p:sp>
+      <p:sp>
+        <p:nvSpPr>
+          <p:cNvPr id="15" name="Rectangle 14">
+            <a:extLst>
+              <a:ext uri="{FF2B5EF4-FFF2-40B4-BE49-F238E27FC236}">
+                <a16:creationId xmlns:a16="http://schemas.microsoft.com/office/drawing/2014/main" id="{E02318E6-6853-97DD-5DBB-4CA2F702193E}"/>
+              </a:ext>
+              <a:ext uri="{C183D7F6-B498-43B3-948B-1728B52AA6E4}">
+                <adec:decorative xmlns:adec="http://schemas.microsoft.com/office/drawing/2017/decorative" val="1"/>
+              </a:ext>
+            </a:extLst>
+          </p:cNvPr>
+          <p:cNvSpPr>
+            <a:spLocks noGrp="1" noRot="1" noChangeAspect="1" noMove="1" noResize="1" noEditPoints="1" noAdjustHandles="1" noChangeArrowheads="1" noChangeShapeType="1" noTextEdit="1"/>
+          </p:cNvSpPr>
+          <p:nvPr>
+            <p:extLst>
+              <p:ext uri="{386F3935-93C4-4BCD-93E2-E3B085C9AB24}">
+                <p16:designElem xmlns:p16="http://schemas.microsoft.com/office/powerpoint/2015/main" val="1"/>
+              </p:ext>
+            </p:extLst>
+          </p:nvPr>
+        </p:nvSpPr>
+        <p:spPr>
+          <a:xfrm>
+            <a:off x="345567" y="1171300"/>
+            <a:ext cx="128016" cy="704088"/>
+          </a:xfrm>
+          <a:prstGeom prst="rect">
+            <a:avLst/>
+          </a:prstGeom>
+          <a:solidFill>
+            <a:schemeClr val="accent1"/>
+          </a:solidFill>
+          <a:ln>
+            <a:noFill/>
+          </a:ln>
+        </p:spPr>
+        <p:style>
+          <a:lnRef idx="2">
+            <a:schemeClr val="accent1">
+              <a:shade val="50000"/>
+            </a:schemeClr>
+          </a:lnRef>
+          <a:fillRef idx="1">
+            <a:schemeClr val="accent1"/>
+          </a:fillRef>
+          <a:effectRef idx="0">
+            <a:schemeClr val="accent1"/>
+          </a:effectRef>
+          <a:fontRef idx="minor">
+            <a:schemeClr val="lt1"/>
+          </a:fontRef>
+        </p:style>
+        <p:txBody>
+          <a:bodyPr rtlCol="0" anchor="ctr"/>
+          <a:lstStyle/>
+          <a:p>
+            <a:pPr marL="0" marR="0" lvl="0" indent="0" algn="ctr" defTabSz="914400" rtl="0" eaLnBrk="1" fontAlgn="auto" latinLnBrk="0" hangingPunct="1">
+              <a:lnSpc>
+                <a:spcPct val="100000"/>
+              </a:lnSpc>
+              <a:spcBef>
+                <a:spcPts val="0"/>
+              </a:spcBef>
+              <a:spcAft>
+                <a:spcPts val="0"/>
+              </a:spcAft>
+              <a:buClrTx/>
+              <a:buSzTx/>
+              <a:buFontTx/>
+              <a:buNone/>
+              <a:tabLst/>
+              <a:defRPr/>
+            </a:pPr>
+            <a:endParaRPr kumimoji="0" lang="en-US" sz="1800" b="0" i="0" u="none" strike="noStrike" kern="1200" cap="none" spc="0" normalizeH="0" baseline="0" noProof="0">
+              <a:ln>
+                <a:noFill/>
+              </a:ln>
+              <a:solidFill>
+                <a:prstClr val="white"/>
+              </a:solidFill>
+              <a:effectLst/>
+              <a:uLnTx/>
+              <a:uFillTx/>
+              <a:latin typeface="Calibri" panose="020F0502020204030204"/>
+              <a:ea typeface="+mn-ea"/>
+              <a:cs typeface="+mn-cs"/>
+            </a:endParaRPr>
+          </a:p>
+        </p:txBody>
+      </p:sp>
+      <p:sp>
+        <p:nvSpPr>
+          <p:cNvPr id="17" name="Rectangle 16">
+            <a:extLst>
+              <a:ext uri="{FF2B5EF4-FFF2-40B4-BE49-F238E27FC236}">
+                <a16:creationId xmlns:a16="http://schemas.microsoft.com/office/drawing/2014/main" id="{1297B030-BDFB-1C27-CF81-BCE54D0A34A5}"/>
+              </a:ext>
+              <a:ext uri="{C183D7F6-B498-43B3-948B-1728B52AA6E4}">
+                <adec:decorative xmlns:adec="http://schemas.microsoft.com/office/drawing/2017/decorative" val="1"/>
+              </a:ext>
+            </a:extLst>
+          </p:cNvPr>
+          <p:cNvSpPr>
+            <a:spLocks noGrp="1" noRot="1" noChangeAspect="1" noMove="1" noResize="1" noEditPoints="1" noAdjustHandles="1" noChangeArrowheads="1" noChangeShapeType="1" noTextEdit="1"/>
+          </p:cNvSpPr>
+          <p:nvPr>
+            <p:extLst>
+              <p:ext uri="{386F3935-93C4-4BCD-93E2-E3B085C9AB24}">
+                <p16:designElem xmlns:p16="http://schemas.microsoft.com/office/powerpoint/2015/main" val="1"/>
+              </p:ext>
+            </p:extLst>
+          </p:nvPr>
+        </p:nvSpPr>
+        <p:spPr>
+          <a:xfrm>
+            <a:off x="877458" y="2093976"/>
+            <a:ext cx="5846683" cy="9144"/>
+          </a:xfrm>
+          <a:prstGeom prst="rect">
+            <a:avLst/>
+          </a:prstGeom>
+          <a:solidFill>
+            <a:schemeClr val="tx2">
+              <a:lumMod val="25000"/>
+              <a:lumOff val="75000"/>
+            </a:schemeClr>
+          </a:solidFill>
+          <a:ln w="3175">
+            <a:noFill/>
+          </a:ln>
+          <a:effectLst/>
+        </p:spPr>
+        <p:style>
+          <a:lnRef idx="2">
+            <a:schemeClr val="accent1">
+              <a:shade val="50000"/>
+            </a:schemeClr>
+          </a:lnRef>
+          <a:fillRef idx="1">
+            <a:schemeClr val="accent1"/>
+          </a:fillRef>
+          <a:effectRef idx="0">
+            <a:schemeClr val="accent1"/>
+          </a:effectRef>
+          <a:fontRef idx="minor">
+            <a:schemeClr val="lt1"/>
+          </a:fontRef>
+        </p:style>
+        <p:txBody>
+          <a:bodyPr rtlCol="0" anchor="ctr"/>
+          <a:lstStyle/>
+          <a:p>
+            <a:pPr marL="0" marR="0" lvl="0" indent="0" algn="ctr" defTabSz="914400" rtl="0" eaLnBrk="1" fontAlgn="auto" latinLnBrk="0" hangingPunct="1">
+              <a:lnSpc>
+                <a:spcPct val="100000"/>
+              </a:lnSpc>
+              <a:spcBef>
+                <a:spcPts val="0"/>
+              </a:spcBef>
+              <a:spcAft>
+                <a:spcPts val="0"/>
+              </a:spcAft>
+              <a:buClrTx/>
+              <a:buSzTx/>
+              <a:buFontTx/>
+              <a:buNone/>
+              <a:tabLst/>
+              <a:defRPr/>
+            </a:pPr>
+            <a:endParaRPr kumimoji="0" lang="en-US" sz="1800" b="0" i="0" u="none" strike="noStrike" kern="1200" cap="none" spc="0" normalizeH="0" baseline="0" noProof="0">
+              <a:ln>
+                <a:noFill/>
+              </a:ln>
+              <a:solidFill>
+                <a:prstClr val="white"/>
+              </a:solidFill>
+              <a:effectLst/>
+              <a:uLnTx/>
+              <a:uFillTx/>
+              <a:latin typeface="Calibri" panose="020F0502020204030204"/>
+              <a:ea typeface="+mn-ea"/>
+              <a:cs typeface="+mn-cs"/>
+            </a:endParaRPr>
+          </a:p>
+        </p:txBody>
+      </p:sp>
+      <p:sp>
+        <p:nvSpPr>
+          <p:cNvPr id="6" name="TextBox 5">
+            <a:extLst>
+              <a:ext uri="{FF2B5EF4-FFF2-40B4-BE49-F238E27FC236}">
+                <a16:creationId xmlns:a16="http://schemas.microsoft.com/office/drawing/2014/main" id="{BF8F450D-3B04-C392-4389-72ACD8D3DBC8}"/>
+              </a:ext>
+            </a:extLst>
+          </p:cNvPr>
+          <p:cNvSpPr txBox="1"/>
+          <p:nvPr/>
+        </p:nvSpPr>
+        <p:spPr>
+          <a:xfrm>
+            <a:off x="473582" y="2163291"/>
+            <a:ext cx="6624801" cy="3560251"/>
+          </a:xfrm>
+          <a:prstGeom prst="rect">
+            <a:avLst/>
+          </a:prstGeom>
+        </p:spPr>
+        <p:txBody>
+          <a:bodyPr vert="horz" lIns="91440" tIns="45720" rIns="91440" bIns="45720" rtlCol="0">
+            <a:normAutofit lnSpcReduction="10000"/>
+          </a:bodyPr>
+          <a:lstStyle/>
+          <a:p>
+            <a:pPr indent="-228600">
+              <a:lnSpc>
+                <a:spcPct val="110000"/>
+              </a:lnSpc>
+              <a:spcAft>
+                <a:spcPts val="600"/>
+              </a:spcAft>
+              <a:buFont typeface="Arial" panose="020B0604020202020204" pitchFamily="34" charset="0"/>
+              <a:buChar char="•"/>
+            </a:pPr>
+            <a:r>
+              <a:rPr lang="en-US" dirty="0"/>
+              <a:t>Reflectance is a </a:t>
+            </a:r>
+            <a:r>
+              <a:rPr lang="en-US" i="1" dirty="0"/>
+              <a:t>relative </a:t>
+            </a:r>
+            <a:r>
+              <a:rPr lang="en-US" dirty="0"/>
+              <a:t>measure</a:t>
+            </a:r>
+            <a:endParaRPr lang="en-US" dirty="0">
+              <a:effectLst/>
+            </a:endParaRPr>
+          </a:p>
+          <a:p>
+            <a:pPr indent="-228600">
+              <a:lnSpc>
+                <a:spcPct val="110000"/>
+              </a:lnSpc>
+              <a:spcAft>
+                <a:spcPts val="600"/>
+              </a:spcAft>
+              <a:buFont typeface="Arial" panose="020B0604020202020204" pitchFamily="34" charset="0"/>
+              <a:buChar char="•"/>
+            </a:pPr>
+            <a:r>
+              <a:rPr lang="en-US" dirty="0"/>
+              <a:t>Light standards</a:t>
+            </a:r>
+          </a:p>
+          <a:p>
+            <a:pPr lvl="1" indent="-228600">
+              <a:lnSpc>
+                <a:spcPct val="110000"/>
+              </a:lnSpc>
+              <a:spcAft>
+                <a:spcPts val="600"/>
+              </a:spcAft>
+              <a:buFont typeface="Arial" panose="020B0604020202020204" pitchFamily="34" charset="0"/>
+              <a:buChar char="•"/>
+            </a:pPr>
+            <a:r>
+              <a:rPr lang="en-US" dirty="0" err="1"/>
+              <a:t>Spectralon</a:t>
+            </a:r>
+            <a:r>
+              <a:rPr lang="en-US" dirty="0"/>
+              <a:t>/</a:t>
+            </a:r>
+            <a:r>
+              <a:rPr lang="en-US" dirty="0" err="1"/>
+              <a:t>teflon</a:t>
+            </a:r>
+            <a:r>
+              <a:rPr lang="en-US" dirty="0"/>
+              <a:t> (PTFE)</a:t>
+            </a:r>
+          </a:p>
+          <a:p>
+            <a:pPr lvl="1" indent="-228600">
+              <a:lnSpc>
+                <a:spcPct val="110000"/>
+              </a:lnSpc>
+              <a:spcAft>
+                <a:spcPts val="600"/>
+              </a:spcAft>
+              <a:buFont typeface="Arial" panose="020B0604020202020204" pitchFamily="34" charset="0"/>
+              <a:buChar char="•"/>
+            </a:pPr>
+            <a:r>
+              <a:rPr lang="en-US" dirty="0"/>
+              <a:t>Barium sulfate</a:t>
+            </a:r>
+          </a:p>
+          <a:p>
+            <a:pPr lvl="1" indent="-228600">
+              <a:lnSpc>
+                <a:spcPct val="110000"/>
+              </a:lnSpc>
+              <a:spcAft>
+                <a:spcPts val="600"/>
+              </a:spcAft>
+              <a:buFont typeface="Arial" panose="020B0604020202020204" pitchFamily="34" charset="0"/>
+              <a:buChar char="•"/>
+            </a:pPr>
+            <a:r>
+              <a:rPr lang="en-US" dirty="0"/>
+              <a:t>Mirror (specular standard)</a:t>
+            </a:r>
+          </a:p>
+          <a:p>
+            <a:pPr indent="-228600">
+              <a:lnSpc>
+                <a:spcPct val="110000"/>
+              </a:lnSpc>
+              <a:spcAft>
+                <a:spcPts val="600"/>
+              </a:spcAft>
+              <a:buFont typeface="Arial" panose="020B0604020202020204" pitchFamily="34" charset="0"/>
+              <a:buChar char="•"/>
+            </a:pPr>
+            <a:r>
+              <a:rPr lang="en-US" dirty="0"/>
+              <a:t>Dark</a:t>
+            </a:r>
+          </a:p>
+          <a:p>
+            <a:pPr lvl="1" indent="-228600">
+              <a:lnSpc>
+                <a:spcPct val="110000"/>
+              </a:lnSpc>
+              <a:spcAft>
+                <a:spcPts val="600"/>
+              </a:spcAft>
+              <a:buFont typeface="Arial" panose="020B0604020202020204" pitchFamily="34" charset="0"/>
+              <a:buChar char="•"/>
+            </a:pPr>
+            <a:r>
+              <a:rPr lang="en-US" dirty="0"/>
+              <a:t>Block/unplug collector</a:t>
+            </a:r>
+          </a:p>
+          <a:p>
+            <a:pPr lvl="1" indent="-228600">
+              <a:lnSpc>
+                <a:spcPct val="110000"/>
+              </a:lnSpc>
+              <a:spcAft>
+                <a:spcPts val="600"/>
+              </a:spcAft>
+              <a:buFont typeface="Arial" panose="020B0604020202020204" pitchFamily="34" charset="0"/>
+              <a:buChar char="•"/>
+            </a:pPr>
+            <a:r>
+              <a:rPr lang="en-US" dirty="0"/>
+              <a:t>Velvet</a:t>
+            </a:r>
+            <a:endParaRPr lang="en-US" dirty="0">
+              <a:effectLst/>
+            </a:endParaRPr>
+          </a:p>
+          <a:p>
+            <a:pPr indent="-228600">
+              <a:lnSpc>
+                <a:spcPct val="110000"/>
+              </a:lnSpc>
+              <a:spcAft>
+                <a:spcPts val="600"/>
+              </a:spcAft>
+              <a:buFont typeface="Arial" panose="020B0604020202020204" pitchFamily="34" charset="0"/>
+              <a:buChar char="•"/>
+            </a:pPr>
+            <a:r>
+              <a:rPr lang="en-US" dirty="0">
+                <a:effectLst/>
+              </a:rPr>
+              <a:t>Recalibrate regularly to account for light drift, movement etc.</a:t>
+            </a:r>
+          </a:p>
+        </p:txBody>
+      </p:sp>
+      <p:pic>
+        <p:nvPicPr>
+          <p:cNvPr id="5" name="Picture 4" descr="Several round black and white containers&#10;&#10;Description automatically generated">
+            <a:extLst>
+              <a:ext uri="{FF2B5EF4-FFF2-40B4-BE49-F238E27FC236}">
+                <a16:creationId xmlns:a16="http://schemas.microsoft.com/office/drawing/2014/main" id="{78A044D3-FA97-EA74-8701-BE54CAD18893}"/>
+              </a:ext>
+            </a:extLst>
+          </p:cNvPr>
+          <p:cNvPicPr>
+            <a:picLocks noChangeAspect="1"/>
+          </p:cNvPicPr>
+          <p:nvPr/>
+        </p:nvPicPr>
+        <p:blipFill>
+          <a:blip r:embed="rId2"/>
+          <a:stretch>
+            <a:fillRect/>
+          </a:stretch>
+        </p:blipFill>
+        <p:spPr>
+          <a:xfrm>
+            <a:off x="7392178" y="1486918"/>
+            <a:ext cx="4655787" cy="3789326"/>
+          </a:xfrm>
+          <a:prstGeom prst="rect">
+            <a:avLst/>
+          </a:prstGeom>
+        </p:spPr>
+      </p:pic>
+    </p:spTree>
+    <p:extLst>
+      <p:ext uri="{BB962C8B-B14F-4D97-AF65-F5344CB8AC3E}">
+        <p14:creationId xmlns:p14="http://schemas.microsoft.com/office/powerpoint/2010/main" val="3922257050"/>
+      </p:ext>
+    </p:extLst>
+  </p:cSld>
+  <p:clrMapOvr>
+    <a:masterClrMapping/>
+  </p:clrMapOvr>
+</p:sld>
+</file>
+
+<file path=ppt/slides/slide8.xml><?xml version="1.0" encoding="utf-8"?>
+<p:sld xmlns:a="http://schemas.openxmlformats.org/drawingml/2006/main" xmlns:r="http://schemas.openxmlformats.org/officeDocument/2006/relationships" xmlns:p="http://schemas.openxmlformats.org/presentationml/2006/main">
+  <p:cSld>
+    <p:bg>
+      <p:bgPr>
+        <a:solidFill>
+          <a:schemeClr val="bg1"/>
+        </a:solidFill>
+        <a:effectLst/>
+      </p:bgPr>
+    </p:bg>
+    <p:spTree>
+      <p:nvGrpSpPr>
+        <p:cNvPr id="1" name="">
+          <a:extLst>
+            <a:ext uri="{FF2B5EF4-FFF2-40B4-BE49-F238E27FC236}">
+              <a16:creationId xmlns:a16="http://schemas.microsoft.com/office/drawing/2014/main" id="{280DE646-39C1-4D31-A436-16BA8A8ACB2A}"/>
+            </a:ext>
+          </a:extLst>
+        </p:cNvPr>
+        <p:cNvGrpSpPr/>
+        <p:nvPr/>
+      </p:nvGrpSpPr>
+      <p:grpSpPr>
+        <a:xfrm>
+          <a:off x="0" y="0"/>
+          <a:ext cx="0" cy="0"/>
+          <a:chOff x="0" y="0"/>
+          <a:chExt cx="0" cy="0"/>
+        </a:xfrm>
+      </p:grpSpPr>
+      <p:sp useBgFill="1">
+        <p:nvSpPr>
+          <p:cNvPr id="11" name="Rectangle 10">
+            <a:extLst>
+              <a:ext uri="{FF2B5EF4-FFF2-40B4-BE49-F238E27FC236}">
+                <a16:creationId xmlns:a16="http://schemas.microsoft.com/office/drawing/2014/main" id="{5FE4D3E7-0480-DBD6-B6CA-9C8A0AC477EE}"/>
+              </a:ext>
+              <a:ext uri="{C183D7F6-B498-43B3-948B-1728B52AA6E4}">
+                <adec:decorative xmlns:adec="http://schemas.microsoft.com/office/drawing/2017/decorative" val="1"/>
+              </a:ext>
+            </a:extLst>
+          </p:cNvPr>
+          <p:cNvSpPr>
+            <a:spLocks noGrp="1" noRot="1" noChangeAspect="1" noMove="1" noResize="1" noEditPoints="1" noAdjustHandles="1" noChangeArrowheads="1" noChangeShapeType="1" noTextEdit="1"/>
+          </p:cNvSpPr>
+          <p:nvPr>
+            <p:extLst>
+              <p:ext uri="{386F3935-93C4-4BCD-93E2-E3B085C9AB24}">
+                <p16:designElem xmlns:p16="http://schemas.microsoft.com/office/powerpoint/2015/main" val="1"/>
+              </p:ext>
+            </p:extLst>
+          </p:nvPr>
+        </p:nvSpPr>
+        <p:spPr>
+          <a:xfrm>
+            <a:off x="0" y="0"/>
+            <a:ext cx="12192000" cy="6858000"/>
+          </a:xfrm>
+          <a:prstGeom prst="rect">
+            <a:avLst/>
+          </a:prstGeom>
+          <a:ln>
+            <a:noFill/>
+          </a:ln>
+        </p:spPr>
+        <p:style>
+          <a:lnRef idx="2">
+            <a:schemeClr val="accent1">
+              <a:shade val="50000"/>
+            </a:schemeClr>
+          </a:lnRef>
+          <a:fillRef idx="1">
+            <a:schemeClr val="accent1"/>
+          </a:fillRef>
+          <a:effectRef idx="0">
+            <a:schemeClr val="accent1"/>
+          </a:effectRef>
+          <a:fontRef idx="minor">
+            <a:schemeClr val="lt1"/>
+          </a:fontRef>
+        </p:style>
+        <p:txBody>
+          <a:bodyPr rtlCol="0" anchor="ctr"/>
+          <a:lstStyle/>
+          <a:p>
+            <a:pPr algn="ctr"/>
+            <a:endParaRPr lang="en-US"/>
+          </a:p>
+        </p:txBody>
+      </p:sp>
+      <p:sp useBgFill="1">
+        <p:nvSpPr>
+          <p:cNvPr id="13" name="Rectangle 12">
+            <a:extLst>
+              <a:ext uri="{FF2B5EF4-FFF2-40B4-BE49-F238E27FC236}">
+                <a16:creationId xmlns:a16="http://schemas.microsoft.com/office/drawing/2014/main" id="{5D5250C1-56FE-B97A-3F59-AB1786E847EE}"/>
+              </a:ext>
+              <a:ext uri="{C183D7F6-B498-43B3-948B-1728B52AA6E4}">
+                <adec:decorative xmlns:adec="http://schemas.microsoft.com/office/drawing/2017/decorative" val="1"/>
+              </a:ext>
+            </a:extLst>
+          </p:cNvPr>
+          <p:cNvSpPr>
+            <a:spLocks noGrp="1" noRot="1" noChangeAspect="1" noMove="1" noResize="1" noEditPoints="1" noAdjustHandles="1" noChangeArrowheads="1" noChangeShapeType="1" noTextEdit="1"/>
+          </p:cNvSpPr>
+          <p:nvPr>
+            <p:extLst>
+              <p:ext uri="{386F3935-93C4-4BCD-93E2-E3B085C9AB24}">
+                <p16:designElem xmlns:p16="http://schemas.microsoft.com/office/powerpoint/2015/main" val="1"/>
+              </p:ext>
+            </p:extLst>
+          </p:nvPr>
+        </p:nvSpPr>
+        <p:spPr>
+          <a:xfrm>
+            <a:off x="409575" y="633619"/>
+            <a:ext cx="6838569" cy="5495925"/>
+          </a:xfrm>
+          <a:prstGeom prst="rect">
+            <a:avLst/>
+          </a:prstGeom>
+          <a:ln w="9525">
+            <a:solidFill>
+              <a:schemeClr val="tx2">
+                <a:lumMod val="10000"/>
+                <a:lumOff val="90000"/>
+              </a:schemeClr>
+            </a:solidFill>
+          </a:ln>
+          <a:effectLst>
+            <a:outerShdw blurRad="50800" dist="38100" dir="2700000" algn="tl" rotWithShape="0">
+              <a:schemeClr val="bg1">
+                <a:lumMod val="85000"/>
+                <a:alpha val="30000"/>
+              </a:schemeClr>
+            </a:outerShdw>
+          </a:effectLst>
+        </p:spPr>
+        <p:style>
+          <a:lnRef idx="2">
+            <a:schemeClr val="accent1">
+              <a:shade val="50000"/>
+            </a:schemeClr>
+          </a:lnRef>
+          <a:fillRef idx="1">
+            <a:schemeClr val="accent1"/>
+          </a:fillRef>
+          <a:effectRef idx="0">
+            <a:schemeClr val="accent1"/>
+          </a:effectRef>
+          <a:fontRef idx="minor">
+            <a:schemeClr val="lt1"/>
+          </a:fontRef>
+        </p:style>
+        <p:txBody>
+          <a:bodyPr rtlCol="0" anchor="ctr"/>
+          <a:lstStyle/>
+          <a:p>
+            <a:pPr marL="0" marR="0" lvl="0" indent="0" algn="ctr" defTabSz="914400" rtl="0" eaLnBrk="1" fontAlgn="auto" latinLnBrk="0" hangingPunct="1">
+              <a:lnSpc>
+                <a:spcPct val="100000"/>
+              </a:lnSpc>
+              <a:spcBef>
+                <a:spcPts val="0"/>
+              </a:spcBef>
+              <a:spcAft>
+                <a:spcPts val="0"/>
+              </a:spcAft>
+              <a:buClrTx/>
+              <a:buSzTx/>
+              <a:buFontTx/>
+              <a:buNone/>
+              <a:tabLst/>
+              <a:defRPr/>
+            </a:pPr>
+            <a:endParaRPr kumimoji="0" lang="en-US" sz="1800" b="0" i="0" u="none" strike="noStrike" kern="1200" cap="none" spc="0" normalizeH="0" baseline="0" noProof="0">
+              <a:ln>
+                <a:noFill/>
+              </a:ln>
+              <a:solidFill>
+                <a:prstClr val="white"/>
+              </a:solidFill>
+              <a:effectLst/>
+              <a:uLnTx/>
+              <a:uFillTx/>
+              <a:latin typeface="Calibri" panose="020F0502020204030204"/>
+              <a:ea typeface="+mn-ea"/>
+              <a:cs typeface="+mn-cs"/>
+            </a:endParaRPr>
+          </a:p>
+        </p:txBody>
+      </p:sp>
+      <p:sp>
+        <p:nvSpPr>
+          <p:cNvPr id="2" name="Title 1">
+            <a:extLst>
+              <a:ext uri="{FF2B5EF4-FFF2-40B4-BE49-F238E27FC236}">
+                <a16:creationId xmlns:a16="http://schemas.microsoft.com/office/drawing/2014/main" id="{191597FA-98A7-E1E1-5F2D-9B024C4A3A1E}"/>
+              </a:ext>
+            </a:extLst>
+          </p:cNvPr>
+          <p:cNvSpPr>
+            <a:spLocks noGrp="1"/>
+          </p:cNvSpPr>
+          <p:nvPr>
+            <p:ph type="title"/>
+          </p:nvPr>
+        </p:nvSpPr>
+        <p:spPr>
+          <a:xfrm>
+            <a:off x="841246" y="978619"/>
+            <a:ext cx="5991244" cy="1106424"/>
+          </a:xfrm>
+        </p:spPr>
+        <p:txBody>
+          <a:bodyPr vert="horz" lIns="91440" tIns="45720" rIns="91440" bIns="45720" rtlCol="0" anchor="ctr">
+            <a:normAutofit/>
+          </a:bodyPr>
+          <a:lstStyle/>
+          <a:p>
+            <a:r>
+              <a:rPr lang="en-US" sz="3200" dirty="0"/>
+              <a:t>Other considerations</a:t>
+            </a:r>
+          </a:p>
+        </p:txBody>
+      </p:sp>
+      <p:sp>
+        <p:nvSpPr>
+          <p:cNvPr id="15" name="Rectangle 14">
+            <a:extLst>
+              <a:ext uri="{FF2B5EF4-FFF2-40B4-BE49-F238E27FC236}">
+                <a16:creationId xmlns:a16="http://schemas.microsoft.com/office/drawing/2014/main" id="{BBAC474F-941C-F8D1-B5BF-1240429DB249}"/>
+              </a:ext>
+              <a:ext uri="{C183D7F6-B498-43B3-948B-1728B52AA6E4}">
+                <adec:decorative xmlns:adec="http://schemas.microsoft.com/office/drawing/2017/decorative" val="1"/>
+              </a:ext>
+            </a:extLst>
+          </p:cNvPr>
+          <p:cNvSpPr>
+            <a:spLocks noGrp="1" noRot="1" noChangeAspect="1" noMove="1" noResize="1" noEditPoints="1" noAdjustHandles="1" noChangeArrowheads="1" noChangeShapeType="1" noTextEdit="1"/>
+          </p:cNvSpPr>
+          <p:nvPr>
+            <p:extLst>
+              <p:ext uri="{386F3935-93C4-4BCD-93E2-E3B085C9AB24}">
+                <p16:designElem xmlns:p16="http://schemas.microsoft.com/office/powerpoint/2015/main" val="1"/>
+              </p:ext>
+            </p:extLst>
+          </p:nvPr>
+        </p:nvSpPr>
+        <p:spPr>
+          <a:xfrm>
+            <a:off x="345567" y="1171300"/>
+            <a:ext cx="128016" cy="704088"/>
+          </a:xfrm>
+          <a:prstGeom prst="rect">
+            <a:avLst/>
+          </a:prstGeom>
+          <a:solidFill>
+            <a:schemeClr val="accent1"/>
+          </a:solidFill>
+          <a:ln>
+            <a:noFill/>
+          </a:ln>
+        </p:spPr>
+        <p:style>
+          <a:lnRef idx="2">
+            <a:schemeClr val="accent1">
+              <a:shade val="50000"/>
+            </a:schemeClr>
+          </a:lnRef>
+          <a:fillRef idx="1">
+            <a:schemeClr val="accent1"/>
+          </a:fillRef>
+          <a:effectRef idx="0">
+            <a:schemeClr val="accent1"/>
+          </a:effectRef>
+          <a:fontRef idx="minor">
+            <a:schemeClr val="lt1"/>
+          </a:fontRef>
+        </p:style>
+        <p:txBody>
+          <a:bodyPr rtlCol="0" anchor="ctr"/>
+          <a:lstStyle/>
+          <a:p>
+            <a:pPr marL="0" marR="0" lvl="0" indent="0" algn="ctr" defTabSz="914400" rtl="0" eaLnBrk="1" fontAlgn="auto" latinLnBrk="0" hangingPunct="1">
+              <a:lnSpc>
+                <a:spcPct val="100000"/>
+              </a:lnSpc>
+              <a:spcBef>
+                <a:spcPts val="0"/>
+              </a:spcBef>
+              <a:spcAft>
+                <a:spcPts val="0"/>
+              </a:spcAft>
+              <a:buClrTx/>
+              <a:buSzTx/>
+              <a:buFontTx/>
+              <a:buNone/>
+              <a:tabLst/>
+              <a:defRPr/>
+            </a:pPr>
+            <a:endParaRPr kumimoji="0" lang="en-US" sz="1800" b="0" i="0" u="none" strike="noStrike" kern="1200" cap="none" spc="0" normalizeH="0" baseline="0" noProof="0">
+              <a:ln>
+                <a:noFill/>
+              </a:ln>
+              <a:solidFill>
+                <a:prstClr val="white"/>
+              </a:solidFill>
+              <a:effectLst/>
+              <a:uLnTx/>
+              <a:uFillTx/>
+              <a:latin typeface="Calibri" panose="020F0502020204030204"/>
+              <a:ea typeface="+mn-ea"/>
+              <a:cs typeface="+mn-cs"/>
+            </a:endParaRPr>
+          </a:p>
+        </p:txBody>
+      </p:sp>
+      <p:sp>
+        <p:nvSpPr>
+          <p:cNvPr id="17" name="Rectangle 16">
+            <a:extLst>
+              <a:ext uri="{FF2B5EF4-FFF2-40B4-BE49-F238E27FC236}">
+                <a16:creationId xmlns:a16="http://schemas.microsoft.com/office/drawing/2014/main" id="{EDBF5467-939D-4764-5FE5-0279C93D5206}"/>
+              </a:ext>
+              <a:ext uri="{C183D7F6-B498-43B3-948B-1728B52AA6E4}">
+                <adec:decorative xmlns:adec="http://schemas.microsoft.com/office/drawing/2017/decorative" val="1"/>
+              </a:ext>
+            </a:extLst>
+          </p:cNvPr>
+          <p:cNvSpPr>
+            <a:spLocks noGrp="1" noRot="1" noChangeAspect="1" noMove="1" noResize="1" noEditPoints="1" noAdjustHandles="1" noChangeArrowheads="1" noChangeShapeType="1" noTextEdit="1"/>
+          </p:cNvSpPr>
+          <p:nvPr>
+            <p:extLst>
+              <p:ext uri="{386F3935-93C4-4BCD-93E2-E3B085C9AB24}">
+                <p16:designElem xmlns:p16="http://schemas.microsoft.com/office/powerpoint/2015/main" val="1"/>
+              </p:ext>
+            </p:extLst>
+          </p:nvPr>
+        </p:nvSpPr>
+        <p:spPr>
+          <a:xfrm>
+            <a:off x="877458" y="2093976"/>
+            <a:ext cx="5846683" cy="9144"/>
+          </a:xfrm>
+          <a:prstGeom prst="rect">
+            <a:avLst/>
+          </a:prstGeom>
+          <a:solidFill>
+            <a:schemeClr val="tx2">
+              <a:lumMod val="25000"/>
+              <a:lumOff val="75000"/>
+            </a:schemeClr>
+          </a:solidFill>
+          <a:ln w="3175">
+            <a:noFill/>
+          </a:ln>
+          <a:effectLst/>
+        </p:spPr>
+        <p:style>
+          <a:lnRef idx="2">
+            <a:schemeClr val="accent1">
+              <a:shade val="50000"/>
+            </a:schemeClr>
+          </a:lnRef>
+          <a:fillRef idx="1">
+            <a:schemeClr val="accent1"/>
+          </a:fillRef>
+          <a:effectRef idx="0">
+            <a:schemeClr val="accent1"/>
+          </a:effectRef>
+          <a:fontRef idx="minor">
+            <a:schemeClr val="lt1"/>
+          </a:fontRef>
+        </p:style>
+        <p:txBody>
+          <a:bodyPr rtlCol="0" anchor="ctr"/>
+          <a:lstStyle/>
+          <a:p>
+            <a:pPr marL="0" marR="0" lvl="0" indent="0" algn="ctr" defTabSz="914400" rtl="0" eaLnBrk="1" fontAlgn="auto" latinLnBrk="0" hangingPunct="1">
+              <a:lnSpc>
+                <a:spcPct val="100000"/>
+              </a:lnSpc>
+              <a:spcBef>
+                <a:spcPts val="0"/>
+              </a:spcBef>
+              <a:spcAft>
+                <a:spcPts val="0"/>
+              </a:spcAft>
+              <a:buClrTx/>
+              <a:buSzTx/>
+              <a:buFontTx/>
+              <a:buNone/>
+              <a:tabLst/>
+              <a:defRPr/>
+            </a:pPr>
+            <a:endParaRPr kumimoji="0" lang="en-US" sz="1800" b="0" i="0" u="none" strike="noStrike" kern="1200" cap="none" spc="0" normalizeH="0" baseline="0" noProof="0">
+              <a:ln>
+                <a:noFill/>
+              </a:ln>
+              <a:solidFill>
+                <a:prstClr val="white"/>
+              </a:solidFill>
+              <a:effectLst/>
+              <a:uLnTx/>
+              <a:uFillTx/>
+              <a:latin typeface="Calibri" panose="020F0502020204030204"/>
+              <a:ea typeface="+mn-ea"/>
+              <a:cs typeface="+mn-cs"/>
+            </a:endParaRPr>
+          </a:p>
+        </p:txBody>
+      </p:sp>
+      <p:sp>
+        <p:nvSpPr>
+          <p:cNvPr id="6" name="TextBox 5">
+            <a:extLst>
+              <a:ext uri="{FF2B5EF4-FFF2-40B4-BE49-F238E27FC236}">
+                <a16:creationId xmlns:a16="http://schemas.microsoft.com/office/drawing/2014/main" id="{6DA6F128-BCA7-BA10-C729-DD7FA574783C}"/>
+              </a:ext>
+            </a:extLst>
+          </p:cNvPr>
+          <p:cNvSpPr txBox="1"/>
+          <p:nvPr/>
+        </p:nvSpPr>
+        <p:spPr>
+          <a:xfrm>
+            <a:off x="473582" y="2163291"/>
+            <a:ext cx="6624801" cy="3560251"/>
+          </a:xfrm>
+          <a:prstGeom prst="rect">
+            <a:avLst/>
+          </a:prstGeom>
+        </p:spPr>
+        <p:txBody>
+          <a:bodyPr vert="horz" lIns="91440" tIns="45720" rIns="91440" bIns="45720" rtlCol="0">
+            <a:normAutofit fontScale="92500" lnSpcReduction="10000"/>
+          </a:bodyPr>
+          <a:lstStyle/>
+          <a:p>
+            <a:pPr>
+              <a:lnSpc>
+                <a:spcPct val="110000"/>
+              </a:lnSpc>
+              <a:spcAft>
+                <a:spcPts val="600"/>
+              </a:spcAft>
+            </a:pPr>
+            <a:r>
+              <a:rPr lang="en-US" b="1" i="1" dirty="0"/>
+              <a:t>Hardware</a:t>
+            </a:r>
+          </a:p>
+          <a:p>
+            <a:pPr>
+              <a:lnSpc>
+                <a:spcPct val="110000"/>
+              </a:lnSpc>
+              <a:spcAft>
+                <a:spcPts val="600"/>
+              </a:spcAft>
+            </a:pPr>
+            <a:r>
+              <a:rPr lang="en-US" dirty="0"/>
+              <a:t>- </a:t>
+            </a:r>
+            <a:r>
+              <a:rPr lang="en-US" dirty="0" err="1"/>
+              <a:t>Fibres</a:t>
+            </a:r>
+            <a:endParaRPr lang="en-US" dirty="0"/>
+          </a:p>
+          <a:p>
+            <a:pPr>
+              <a:lnSpc>
+                <a:spcPct val="110000"/>
+              </a:lnSpc>
+              <a:spcAft>
+                <a:spcPts val="600"/>
+              </a:spcAft>
+            </a:pPr>
+            <a:r>
+              <a:rPr lang="en-US" dirty="0">
+                <a:effectLst/>
+              </a:rPr>
+              <a:t>	- ~3-500 um common</a:t>
+            </a:r>
+          </a:p>
+          <a:p>
+            <a:pPr>
+              <a:lnSpc>
+                <a:spcPct val="110000"/>
+              </a:lnSpc>
+              <a:spcAft>
+                <a:spcPts val="600"/>
+              </a:spcAft>
+            </a:pPr>
+            <a:r>
+              <a:rPr lang="en-US" dirty="0"/>
+              <a:t>	</a:t>
+            </a:r>
+            <a:r>
+              <a:rPr lang="en-US" dirty="0">
+                <a:effectLst/>
+              </a:rPr>
+              <a:t>- Collector/light spot sizes</a:t>
+            </a:r>
+          </a:p>
+          <a:p>
+            <a:pPr>
+              <a:lnSpc>
+                <a:spcPct val="110000"/>
+              </a:lnSpc>
+              <a:spcAft>
+                <a:spcPts val="600"/>
+              </a:spcAft>
+            </a:pPr>
+            <a:r>
+              <a:rPr lang="en-US" dirty="0"/>
+              <a:t>	- Spectral range/sensitivity</a:t>
+            </a:r>
+            <a:endParaRPr lang="en-US" dirty="0">
+              <a:effectLst/>
+            </a:endParaRPr>
+          </a:p>
+          <a:p>
+            <a:pPr>
+              <a:lnSpc>
+                <a:spcPct val="110000"/>
+              </a:lnSpc>
+              <a:spcAft>
+                <a:spcPts val="600"/>
+              </a:spcAft>
+            </a:pPr>
+            <a:r>
+              <a:rPr lang="en-US" dirty="0"/>
+              <a:t>- Lenses</a:t>
+            </a:r>
+          </a:p>
+          <a:p>
+            <a:pPr>
+              <a:lnSpc>
+                <a:spcPct val="110000"/>
+              </a:lnSpc>
+              <a:spcAft>
+                <a:spcPts val="600"/>
+              </a:spcAft>
+            </a:pPr>
+            <a:endParaRPr lang="en-US" b="1" i="1" dirty="0"/>
+          </a:p>
+          <a:p>
+            <a:pPr>
+              <a:lnSpc>
+                <a:spcPct val="110000"/>
+              </a:lnSpc>
+              <a:spcAft>
+                <a:spcPts val="600"/>
+              </a:spcAft>
+            </a:pPr>
+            <a:r>
+              <a:rPr lang="en-US" b="1" i="1" dirty="0"/>
+              <a:t>Settings</a:t>
+            </a:r>
+          </a:p>
+          <a:p>
+            <a:r>
+              <a:rPr lang="en-AU" sz="1800" dirty="0">
+                <a:effectLst/>
+              </a:rPr>
+              <a:t>- Integration time </a:t>
+            </a:r>
+            <a:endParaRPr lang="en-AU" sz="1800" dirty="0"/>
+          </a:p>
+          <a:p>
+            <a:endParaRPr lang="en-AU" sz="1800" dirty="0"/>
+          </a:p>
+          <a:p>
+            <a:r>
+              <a:rPr lang="en-AU" sz="1800" dirty="0"/>
+              <a:t>- Boxcar width/smoothing</a:t>
+            </a:r>
+          </a:p>
+          <a:p>
+            <a:pPr>
+              <a:lnSpc>
+                <a:spcPct val="110000"/>
+              </a:lnSpc>
+              <a:spcAft>
+                <a:spcPts val="600"/>
+              </a:spcAft>
+            </a:pPr>
+            <a:endParaRPr lang="en-US" dirty="0"/>
+          </a:p>
+          <a:p>
+            <a:pPr>
+              <a:lnSpc>
+                <a:spcPct val="110000"/>
+              </a:lnSpc>
+              <a:spcAft>
+                <a:spcPts val="600"/>
+              </a:spcAft>
+            </a:pPr>
+            <a:endParaRPr lang="en-US" dirty="0">
+              <a:effectLst/>
+            </a:endParaRPr>
+          </a:p>
+        </p:txBody>
+      </p:sp>
+      <p:pic>
+        <p:nvPicPr>
+          <p:cNvPr id="6146" name="Picture 2" descr="P-400-2-UV-VIS Optical Fiber, SMA Connector, Ocean Optics">
+            <a:extLst>
+              <a:ext uri="{FF2B5EF4-FFF2-40B4-BE49-F238E27FC236}">
+                <a16:creationId xmlns:a16="http://schemas.microsoft.com/office/drawing/2014/main" id="{44A3FF32-6B3F-9F47-59F0-05209A633F51}"/>
+              </a:ext>
+            </a:extLst>
+          </p:cNvPr>
+          <p:cNvPicPr>
+            <a:picLocks noChangeAspect="1" noChangeArrowheads="1"/>
+          </p:cNvPicPr>
+          <p:nvPr/>
+        </p:nvPicPr>
+        <p:blipFill>
+          <a:blip r:embed="rId2">
+            <a:extLst>
+              <a:ext uri="{28A0092B-C50C-407E-A947-70E740481C1C}">
+                <a14:useLocalDpi xmlns:a14="http://schemas.microsoft.com/office/drawing/2010/main" val="0"/>
+              </a:ext>
+            </a:extLst>
+          </a:blip>
+          <a:srcRect/>
+          <a:stretch>
+            <a:fillRect/>
+          </a:stretch>
+        </p:blipFill>
+        <p:spPr bwMode="auto">
+          <a:xfrm>
+            <a:off x="7657719" y="3272044"/>
+            <a:ext cx="3810000" cy="2857500"/>
+          </a:xfrm>
+          <a:prstGeom prst="rect">
+            <a:avLst/>
+          </a:prstGeom>
+          <a:noFill/>
+          <a:extLst>
+            <a:ext uri="{909E8E84-426E-40DD-AFC4-6F175D3DCCD1}">
+              <a14:hiddenFill xmlns:a14="http://schemas.microsoft.com/office/drawing/2010/main">
+                <a:solidFill>
+                  <a:srgbClr val="FFFFFF"/>
+                </a:solidFill>
+              </a14:hiddenFill>
+            </a:ext>
+          </a:extLst>
+        </p:spPr>
+      </p:pic>
+    </p:spTree>
+    <p:extLst>
+      <p:ext uri="{BB962C8B-B14F-4D97-AF65-F5344CB8AC3E}">
+        <p14:creationId xmlns:p14="http://schemas.microsoft.com/office/powerpoint/2010/main" val="1824472741"/>
+      </p:ext>
+    </p:extLst>
+  </p:cSld>
+  <p:clrMapOvr>
+    <a:masterClrMapping/>
+  </p:clrMapOvr>
+</p:sld>
+</file>
+
+<file path=ppt/slides/slide9.xml><?xml version="1.0" encoding="utf-8"?>
+<p:sld xmlns:a="http://schemas.openxmlformats.org/drawingml/2006/main" xmlns:r="http://schemas.openxmlformats.org/officeDocument/2006/relationships" xmlns:p="http://schemas.openxmlformats.org/presentationml/2006/main">
+  <p:cSld>
+    <p:bg>
+      <p:bgPr>
+        <a:solidFill>
+          <a:schemeClr val="bg1"/>
+        </a:solidFill>
+        <a:effectLst/>
+      </p:bgPr>
+    </p:bg>
+    <p:spTree>
+      <p:nvGrpSpPr>
+        <p:cNvPr id="1" name="">
+          <a:extLst>
+            <a:ext uri="{FF2B5EF4-FFF2-40B4-BE49-F238E27FC236}">
+              <a16:creationId xmlns:a16="http://schemas.microsoft.com/office/drawing/2014/main" id="{36A79A8E-5E02-B825-7157-CF17324B7C0D}"/>
+            </a:ext>
+          </a:extLst>
+        </p:cNvPr>
+        <p:cNvGrpSpPr/>
+        <p:nvPr/>
+      </p:nvGrpSpPr>
+      <p:grpSpPr>
+        <a:xfrm>
+          <a:off x="0" y="0"/>
+          <a:ext cx="0" cy="0"/>
+          <a:chOff x="0" y="0"/>
+          <a:chExt cx="0" cy="0"/>
+        </a:xfrm>
+      </p:grpSpPr>
+      <p:sp useBgFill="1">
+        <p:nvSpPr>
+          <p:cNvPr id="11" name="Rectangle 10">
+            <a:extLst>
+              <a:ext uri="{FF2B5EF4-FFF2-40B4-BE49-F238E27FC236}">
+                <a16:creationId xmlns:a16="http://schemas.microsoft.com/office/drawing/2014/main" id="{B56408B7-782F-5E2C-8123-DC81ACB602D0}"/>
+              </a:ext>
+              <a:ext uri="{C183D7F6-B498-43B3-948B-1728B52AA6E4}">
+                <adec:decorative xmlns:adec="http://schemas.microsoft.com/office/drawing/2017/decorative" val="1"/>
+              </a:ext>
+            </a:extLst>
+          </p:cNvPr>
+          <p:cNvSpPr>
+            <a:spLocks noGrp="1" noRot="1" noChangeAspect="1" noMove="1" noResize="1" noEditPoints="1" noAdjustHandles="1" noChangeArrowheads="1" noChangeShapeType="1" noTextEdit="1"/>
+          </p:cNvSpPr>
+          <p:nvPr>
+            <p:extLst>
+              <p:ext uri="{386F3935-93C4-4BCD-93E2-E3B085C9AB24}">
+                <p16:designElem xmlns:p16="http://schemas.microsoft.com/office/powerpoint/2015/main" val="1"/>
+              </p:ext>
+            </p:extLst>
+          </p:nvPr>
+        </p:nvSpPr>
+        <p:spPr>
+          <a:xfrm>
+            <a:off x="0" y="0"/>
+            <a:ext cx="12192000" cy="6858000"/>
+          </a:xfrm>
+          <a:prstGeom prst="rect">
+            <a:avLst/>
+          </a:prstGeom>
+          <a:ln>
+            <a:noFill/>
+          </a:ln>
+        </p:spPr>
+        <p:style>
+          <a:lnRef idx="2">
+            <a:schemeClr val="accent1">
+              <a:shade val="50000"/>
+            </a:schemeClr>
+          </a:lnRef>
+          <a:fillRef idx="1">
+            <a:schemeClr val="accent1"/>
+          </a:fillRef>
+          <a:effectRef idx="0">
+            <a:schemeClr val="accent1"/>
+          </a:effectRef>
+          <a:fontRef idx="minor">
+            <a:schemeClr val="lt1"/>
+          </a:fontRef>
+        </p:style>
+        <p:txBody>
+          <a:bodyPr rtlCol="0" anchor="ctr"/>
+          <a:lstStyle/>
+          <a:p>
+            <a:pPr algn="ctr"/>
+            <a:endParaRPr lang="en-US"/>
+          </a:p>
+        </p:txBody>
+      </p:sp>
+      <p:sp useBgFill="1">
+        <p:nvSpPr>
+          <p:cNvPr id="13" name="Rectangle 12">
+            <a:extLst>
+              <a:ext uri="{FF2B5EF4-FFF2-40B4-BE49-F238E27FC236}">
+                <a16:creationId xmlns:a16="http://schemas.microsoft.com/office/drawing/2014/main" id="{6F077844-221E-DAAF-DDFE-F6CB630C2031}"/>
+              </a:ext>
+              <a:ext uri="{C183D7F6-B498-43B3-948B-1728B52AA6E4}">
+                <adec:decorative xmlns:adec="http://schemas.microsoft.com/office/drawing/2017/decorative" val="1"/>
+              </a:ext>
+            </a:extLst>
+          </p:cNvPr>
+          <p:cNvSpPr>
+            <a:spLocks noGrp="1" noRot="1" noChangeAspect="1" noMove="1" noResize="1" noEditPoints="1" noAdjustHandles="1" noChangeArrowheads="1" noChangeShapeType="1" noTextEdit="1"/>
+          </p:cNvSpPr>
+          <p:nvPr>
+            <p:extLst>
+              <p:ext uri="{386F3935-93C4-4BCD-93E2-E3B085C9AB24}">
+                <p16:designElem xmlns:p16="http://schemas.microsoft.com/office/powerpoint/2015/main" val="1"/>
+              </p:ext>
+            </p:extLst>
+          </p:nvPr>
+        </p:nvSpPr>
+        <p:spPr>
+          <a:xfrm>
+            <a:off x="409575" y="633619"/>
+            <a:ext cx="6838569" cy="5495925"/>
+          </a:xfrm>
+          <a:prstGeom prst="rect">
+            <a:avLst/>
+          </a:prstGeom>
+          <a:ln w="9525">
+            <a:solidFill>
+              <a:schemeClr val="tx2">
+                <a:lumMod val="10000"/>
+                <a:lumOff val="90000"/>
+              </a:schemeClr>
+            </a:solidFill>
+          </a:ln>
+          <a:effectLst>
+            <a:outerShdw blurRad="50800" dist="38100" dir="2700000" algn="tl" rotWithShape="0">
+              <a:schemeClr val="bg1">
+                <a:lumMod val="85000"/>
+                <a:alpha val="30000"/>
+              </a:schemeClr>
+            </a:outerShdw>
+          </a:effectLst>
+        </p:spPr>
+        <p:style>
+          <a:lnRef idx="2">
+            <a:schemeClr val="accent1">
+              <a:shade val="50000"/>
+            </a:schemeClr>
+          </a:lnRef>
+          <a:fillRef idx="1">
+            <a:schemeClr val="accent1"/>
+          </a:fillRef>
+          <a:effectRef idx="0">
+            <a:schemeClr val="accent1"/>
+          </a:effectRef>
+          <a:fontRef idx="minor">
+            <a:schemeClr val="lt1"/>
+          </a:fontRef>
+        </p:style>
+        <p:txBody>
+          <a:bodyPr rtlCol="0" anchor="ctr"/>
+          <a:lstStyle/>
+          <a:p>
+            <a:pPr marL="0" marR="0" lvl="0" indent="0" algn="ctr" defTabSz="914400" rtl="0" eaLnBrk="1" fontAlgn="auto" latinLnBrk="0" hangingPunct="1">
+              <a:lnSpc>
+                <a:spcPct val="100000"/>
+              </a:lnSpc>
+              <a:spcBef>
+                <a:spcPts val="0"/>
+              </a:spcBef>
+              <a:spcAft>
+                <a:spcPts val="0"/>
+              </a:spcAft>
+              <a:buClrTx/>
+              <a:buSzTx/>
+              <a:buFontTx/>
+              <a:buNone/>
+              <a:tabLst/>
+              <a:defRPr/>
+            </a:pPr>
+            <a:endParaRPr kumimoji="0" lang="en-US" sz="1800" b="0" i="0" u="none" strike="noStrike" kern="1200" cap="none" spc="0" normalizeH="0" baseline="0" noProof="0">
+              <a:ln>
+                <a:noFill/>
+              </a:ln>
+              <a:solidFill>
+                <a:prstClr val="white"/>
+              </a:solidFill>
+              <a:effectLst/>
+              <a:uLnTx/>
+              <a:uFillTx/>
+              <a:latin typeface="Calibri" panose="020F0502020204030204"/>
+              <a:ea typeface="+mn-ea"/>
+              <a:cs typeface="+mn-cs"/>
+            </a:endParaRPr>
+          </a:p>
+        </p:txBody>
+      </p:sp>
+      <p:sp>
+        <p:nvSpPr>
+          <p:cNvPr id="2" name="Title 1">
+            <a:extLst>
+              <a:ext uri="{FF2B5EF4-FFF2-40B4-BE49-F238E27FC236}">
+                <a16:creationId xmlns:a16="http://schemas.microsoft.com/office/drawing/2014/main" id="{A3CD30CF-81EE-0D7D-5AA6-3D7A4BFB2747}"/>
+              </a:ext>
+            </a:extLst>
+          </p:cNvPr>
+          <p:cNvSpPr>
+            <a:spLocks noGrp="1"/>
+          </p:cNvSpPr>
+          <p:nvPr>
+            <p:ph type="title"/>
+          </p:nvPr>
+        </p:nvSpPr>
+        <p:spPr>
+          <a:xfrm>
+            <a:off x="841246" y="978619"/>
+            <a:ext cx="5991244" cy="1106424"/>
+          </a:xfrm>
+        </p:spPr>
+        <p:txBody>
+          <a:bodyPr vert="horz" lIns="91440" tIns="45720" rIns="91440" bIns="45720" rtlCol="0" anchor="ctr">
+            <a:normAutofit/>
+          </a:bodyPr>
+          <a:lstStyle/>
+          <a:p>
+            <a:r>
+              <a:rPr lang="en-US" sz="3200" dirty="0"/>
+              <a:t>In practice</a:t>
+            </a:r>
+          </a:p>
+        </p:txBody>
+      </p:sp>
+      <p:sp>
+        <p:nvSpPr>
+          <p:cNvPr id="15" name="Rectangle 14">
+            <a:extLst>
+              <a:ext uri="{FF2B5EF4-FFF2-40B4-BE49-F238E27FC236}">
+                <a16:creationId xmlns:a16="http://schemas.microsoft.com/office/drawing/2014/main" id="{A7A5F089-623D-F28C-CCF6-7EE4035CC8ED}"/>
+              </a:ext>
+              <a:ext uri="{C183D7F6-B498-43B3-948B-1728B52AA6E4}">
+                <adec:decorative xmlns:adec="http://schemas.microsoft.com/office/drawing/2017/decorative" val="1"/>
+              </a:ext>
+            </a:extLst>
+          </p:cNvPr>
+          <p:cNvSpPr>
+            <a:spLocks noGrp="1" noRot="1" noChangeAspect="1" noMove="1" noResize="1" noEditPoints="1" noAdjustHandles="1" noChangeArrowheads="1" noChangeShapeType="1" noTextEdit="1"/>
+          </p:cNvSpPr>
+          <p:nvPr>
+            <p:extLst>
+              <p:ext uri="{386F3935-93C4-4BCD-93E2-E3B085C9AB24}">
+                <p16:designElem xmlns:p16="http://schemas.microsoft.com/office/powerpoint/2015/main" val="1"/>
+              </p:ext>
+            </p:extLst>
+          </p:nvPr>
+        </p:nvSpPr>
+        <p:spPr>
+          <a:xfrm>
+            <a:off x="345567" y="1171300"/>
+            <a:ext cx="128016" cy="704088"/>
+          </a:xfrm>
+          <a:prstGeom prst="rect">
+            <a:avLst/>
+          </a:prstGeom>
+          <a:solidFill>
+            <a:schemeClr val="accent1"/>
+          </a:solidFill>
+          <a:ln>
+            <a:noFill/>
+          </a:ln>
+        </p:spPr>
+        <p:style>
+          <a:lnRef idx="2">
+            <a:schemeClr val="accent1">
+              <a:shade val="50000"/>
+            </a:schemeClr>
+          </a:lnRef>
+          <a:fillRef idx="1">
+            <a:schemeClr val="accent1"/>
+          </a:fillRef>
+          <a:effectRef idx="0">
+            <a:schemeClr val="accent1"/>
+          </a:effectRef>
+          <a:fontRef idx="minor">
+            <a:schemeClr val="lt1"/>
+          </a:fontRef>
+        </p:style>
+        <p:txBody>
+          <a:bodyPr rtlCol="0" anchor="ctr"/>
+          <a:lstStyle/>
+          <a:p>
+            <a:pPr marL="0" marR="0" lvl="0" indent="0" algn="ctr" defTabSz="914400" rtl="0" eaLnBrk="1" fontAlgn="auto" latinLnBrk="0" hangingPunct="1">
+              <a:lnSpc>
+                <a:spcPct val="100000"/>
+              </a:lnSpc>
+              <a:spcBef>
+                <a:spcPts val="0"/>
+              </a:spcBef>
+              <a:spcAft>
+                <a:spcPts val="0"/>
+              </a:spcAft>
+              <a:buClrTx/>
+              <a:buSzTx/>
+              <a:buFontTx/>
+              <a:buNone/>
+              <a:tabLst/>
+              <a:defRPr/>
+            </a:pPr>
+            <a:endParaRPr kumimoji="0" lang="en-US" sz="1800" b="0" i="0" u="none" strike="noStrike" kern="1200" cap="none" spc="0" normalizeH="0" baseline="0" noProof="0">
+              <a:ln>
+                <a:noFill/>
+              </a:ln>
+              <a:solidFill>
+                <a:prstClr val="white"/>
+              </a:solidFill>
+              <a:effectLst/>
+              <a:uLnTx/>
+              <a:uFillTx/>
+              <a:latin typeface="Calibri" panose="020F0502020204030204"/>
+              <a:ea typeface="+mn-ea"/>
+              <a:cs typeface="+mn-cs"/>
+            </a:endParaRPr>
+          </a:p>
+        </p:txBody>
+      </p:sp>
+      <p:sp>
+        <p:nvSpPr>
+          <p:cNvPr id="17" name="Rectangle 16">
+            <a:extLst>
+              <a:ext uri="{FF2B5EF4-FFF2-40B4-BE49-F238E27FC236}">
+                <a16:creationId xmlns:a16="http://schemas.microsoft.com/office/drawing/2014/main" id="{5844176A-22FD-5F26-A27B-AB061AAFC6A1}"/>
+              </a:ext>
+              <a:ext uri="{C183D7F6-B498-43B3-948B-1728B52AA6E4}">
+                <adec:decorative xmlns:adec="http://schemas.microsoft.com/office/drawing/2017/decorative" val="1"/>
+              </a:ext>
+            </a:extLst>
+          </p:cNvPr>
+          <p:cNvSpPr>
+            <a:spLocks noGrp="1" noRot="1" noChangeAspect="1" noMove="1" noResize="1" noEditPoints="1" noAdjustHandles="1" noChangeArrowheads="1" noChangeShapeType="1" noTextEdit="1"/>
+          </p:cNvSpPr>
+          <p:nvPr>
+            <p:extLst>
+              <p:ext uri="{386F3935-93C4-4BCD-93E2-E3B085C9AB24}">
+                <p16:designElem xmlns:p16="http://schemas.microsoft.com/office/powerpoint/2015/main" val="1"/>
+              </p:ext>
+            </p:extLst>
+          </p:nvPr>
+        </p:nvSpPr>
+        <p:spPr>
+          <a:xfrm>
+            <a:off x="877458" y="2093976"/>
+            <a:ext cx="5846683" cy="9144"/>
+          </a:xfrm>
+          <a:prstGeom prst="rect">
+            <a:avLst/>
+          </a:prstGeom>
+          <a:solidFill>
+            <a:schemeClr val="tx2">
+              <a:lumMod val="25000"/>
+              <a:lumOff val="75000"/>
+            </a:schemeClr>
+          </a:solidFill>
+          <a:ln w="3175">
+            <a:noFill/>
+          </a:ln>
+          <a:effectLst/>
+        </p:spPr>
+        <p:style>
+          <a:lnRef idx="2">
+            <a:schemeClr val="accent1">
+              <a:shade val="50000"/>
+            </a:schemeClr>
+          </a:lnRef>
+          <a:fillRef idx="1">
+            <a:schemeClr val="accent1"/>
+          </a:fillRef>
+          <a:effectRef idx="0">
+            <a:schemeClr val="accent1"/>
+          </a:effectRef>
+          <a:fontRef idx="minor">
+            <a:schemeClr val="lt1"/>
+          </a:fontRef>
+        </p:style>
+        <p:txBody>
+          <a:bodyPr rtlCol="0" anchor="ctr"/>
+          <a:lstStyle/>
+          <a:p>
+            <a:pPr marL="0" marR="0" lvl="0" indent="0" algn="ctr" defTabSz="914400" rtl="0" eaLnBrk="1" fontAlgn="auto" latinLnBrk="0" hangingPunct="1">
+              <a:lnSpc>
+                <a:spcPct val="100000"/>
+              </a:lnSpc>
+              <a:spcBef>
+                <a:spcPts val="0"/>
+              </a:spcBef>
+              <a:spcAft>
+                <a:spcPts val="0"/>
+              </a:spcAft>
+              <a:buClrTx/>
+              <a:buSzTx/>
+              <a:buFontTx/>
+              <a:buNone/>
+              <a:tabLst/>
+              <a:defRPr/>
+            </a:pPr>
+            <a:endParaRPr kumimoji="0" lang="en-US" sz="1800" b="0" i="0" u="none" strike="noStrike" kern="1200" cap="none" spc="0" normalizeH="0" baseline="0" noProof="0">
+              <a:ln>
+                <a:noFill/>
+              </a:ln>
+              <a:solidFill>
+                <a:prstClr val="white"/>
+              </a:solidFill>
+              <a:effectLst/>
+              <a:uLnTx/>
+              <a:uFillTx/>
+              <a:latin typeface="Calibri" panose="020F0502020204030204"/>
+              <a:ea typeface="+mn-ea"/>
+              <a:cs typeface="+mn-cs"/>
+            </a:endParaRPr>
+          </a:p>
+        </p:txBody>
+      </p:sp>
+      <p:sp>
+        <p:nvSpPr>
+          <p:cNvPr id="6" name="TextBox 5">
+            <a:extLst>
+              <a:ext uri="{FF2B5EF4-FFF2-40B4-BE49-F238E27FC236}">
+                <a16:creationId xmlns:a16="http://schemas.microsoft.com/office/drawing/2014/main" id="{461B752F-28A2-F67C-1632-0E6D03AA068B}"/>
+              </a:ext>
+            </a:extLst>
+          </p:cNvPr>
+          <p:cNvSpPr txBox="1"/>
+          <p:nvPr/>
+        </p:nvSpPr>
+        <p:spPr>
+          <a:xfrm>
+            <a:off x="473582" y="2163291"/>
+            <a:ext cx="6624801" cy="3560251"/>
+          </a:xfrm>
+          <a:prstGeom prst="rect">
+            <a:avLst/>
+          </a:prstGeom>
+        </p:spPr>
+        <p:txBody>
+          <a:bodyPr vert="horz" lIns="91440" tIns="45720" rIns="91440" bIns="45720" rtlCol="0">
+            <a:normAutofit/>
+          </a:bodyPr>
+          <a:lstStyle/>
+          <a:p>
+            <a:pPr>
+              <a:lnSpc>
+                <a:spcPct val="110000"/>
+              </a:lnSpc>
+              <a:spcAft>
+                <a:spcPts val="600"/>
+              </a:spcAft>
+            </a:pPr>
+            <a:r>
+              <a:rPr lang="en-US" dirty="0"/>
+              <a:t>(1) Set up </a:t>
+            </a:r>
+          </a:p>
+          <a:p>
+            <a:pPr>
+              <a:lnSpc>
+                <a:spcPct val="110000"/>
+              </a:lnSpc>
+              <a:spcAft>
+                <a:spcPts val="600"/>
+              </a:spcAft>
+            </a:pPr>
+            <a:r>
+              <a:rPr lang="en-US" dirty="0">
+                <a:effectLst/>
+              </a:rPr>
+              <a:t>- set geometry</a:t>
+            </a:r>
+          </a:p>
+          <a:p>
+            <a:pPr>
+              <a:lnSpc>
+                <a:spcPct val="110000"/>
+              </a:lnSpc>
+              <a:spcAft>
+                <a:spcPts val="600"/>
+              </a:spcAft>
+            </a:pPr>
+            <a:r>
+              <a:rPr lang="en-US" dirty="0"/>
+              <a:t>- collection settings (boxcar, integration...) </a:t>
+            </a:r>
+          </a:p>
+          <a:p>
+            <a:pPr>
+              <a:lnSpc>
+                <a:spcPct val="110000"/>
+              </a:lnSpc>
+              <a:spcAft>
+                <a:spcPts val="600"/>
+              </a:spcAft>
+            </a:pPr>
+            <a:endParaRPr lang="en-US" dirty="0"/>
+          </a:p>
+          <a:p>
+            <a:pPr>
+              <a:lnSpc>
+                <a:spcPct val="110000"/>
+              </a:lnSpc>
+              <a:spcAft>
+                <a:spcPts val="600"/>
+              </a:spcAft>
+            </a:pPr>
+            <a:r>
+              <a:rPr lang="en-US" dirty="0"/>
+              <a:t>(2) Calibrate</a:t>
+            </a:r>
+          </a:p>
+          <a:p>
+            <a:pPr>
+              <a:lnSpc>
+                <a:spcPct val="110000"/>
+              </a:lnSpc>
+              <a:spcAft>
+                <a:spcPts val="600"/>
+              </a:spcAft>
+            </a:pPr>
+            <a:r>
+              <a:rPr lang="en-US" dirty="0">
+                <a:effectLst/>
+              </a:rPr>
+              <a:t>- light and dark </a:t>
+            </a:r>
+            <a:r>
+              <a:rPr lang="en-US" dirty="0" err="1">
+                <a:effectLst/>
+              </a:rPr>
+              <a:t>standardise</a:t>
+            </a:r>
+            <a:endParaRPr lang="en-US" dirty="0">
+              <a:effectLst/>
+            </a:endParaRPr>
+          </a:p>
+          <a:p>
+            <a:pPr marL="285750" indent="-285750">
+              <a:lnSpc>
+                <a:spcPct val="110000"/>
+              </a:lnSpc>
+              <a:spcAft>
+                <a:spcPts val="600"/>
+              </a:spcAft>
+              <a:buFontTx/>
+              <a:buChar char="-"/>
+            </a:pPr>
+            <a:endParaRPr lang="en-US" dirty="0"/>
+          </a:p>
+          <a:p>
+            <a:pPr>
+              <a:lnSpc>
+                <a:spcPct val="110000"/>
+              </a:lnSpc>
+              <a:spcAft>
+                <a:spcPts val="600"/>
+              </a:spcAft>
+            </a:pPr>
+            <a:r>
+              <a:rPr lang="en-US" dirty="0">
+                <a:effectLst/>
+              </a:rPr>
+              <a:t>(3) Record spectrum</a:t>
+            </a:r>
+          </a:p>
+        </p:txBody>
+      </p:sp>
+      <p:sp>
+        <p:nvSpPr>
+          <p:cNvPr id="8" name="U-turn Arrow 7">
+            <a:extLst>
+              <a:ext uri="{FF2B5EF4-FFF2-40B4-BE49-F238E27FC236}">
+                <a16:creationId xmlns:a16="http://schemas.microsoft.com/office/drawing/2014/main" id="{09C35954-E493-B3D0-8B45-B2783F72F826}"/>
+              </a:ext>
+            </a:extLst>
+          </p:cNvPr>
+          <p:cNvSpPr/>
+          <p:nvPr/>
+        </p:nvSpPr>
+        <p:spPr>
+          <a:xfrm rot="16200000" flipV="1">
+            <a:off x="3637239" y="4022038"/>
+            <a:ext cx="1129515" cy="1135930"/>
+          </a:xfrm>
+          <a:prstGeom prst="uturnArrow">
+            <a:avLst/>
+          </a:prstGeom>
+        </p:spPr>
+        <p:style>
+          <a:lnRef idx="2">
+            <a:schemeClr val="accent1">
+              <a:shade val="15000"/>
+            </a:schemeClr>
+          </a:lnRef>
+          <a:fillRef idx="1">
+            <a:schemeClr val="accent1"/>
+          </a:fillRef>
+          <a:effectRef idx="0">
+            <a:schemeClr val="accent1"/>
+          </a:effectRef>
+          <a:fontRef idx="minor">
+            <a:schemeClr val="lt1"/>
+          </a:fontRef>
+        </p:style>
+        <p:txBody>
+          <a:bodyPr rtlCol="0" anchor="ctr"/>
+          <a:lstStyle/>
+          <a:p>
+            <a:pPr algn="ctr"/>
+            <a:endParaRPr lang="en-AU">
+              <a:solidFill>
+                <a:schemeClr val="tx1"/>
+              </a:solidFill>
+            </a:endParaRPr>
+          </a:p>
+        </p:txBody>
+      </p:sp>
+      <p:pic>
+        <p:nvPicPr>
+          <p:cNvPr id="7170" name="Picture 2" descr="Portable Spectrometer Ideal for Field Applications Envirotech Online">
+            <a:extLst>
+              <a:ext uri="{FF2B5EF4-FFF2-40B4-BE49-F238E27FC236}">
+                <a16:creationId xmlns:a16="http://schemas.microsoft.com/office/drawing/2014/main" id="{DC8A1C18-297B-2BB6-3644-025664B98E25}"/>
+              </a:ext>
+            </a:extLst>
+          </p:cNvPr>
+          <p:cNvPicPr>
+            <a:picLocks noChangeAspect="1" noChangeArrowheads="1"/>
+          </p:cNvPicPr>
+          <p:nvPr/>
+        </p:nvPicPr>
+        <p:blipFill>
+          <a:blip r:embed="rId2">
+            <a:extLst>
+              <a:ext uri="{28A0092B-C50C-407E-A947-70E740481C1C}">
+                <a14:useLocalDpi xmlns:a14="http://schemas.microsoft.com/office/drawing/2010/main" val="0"/>
+              </a:ext>
+            </a:extLst>
+          </a:blip>
+          <a:srcRect/>
+          <a:stretch>
+            <a:fillRect/>
+          </a:stretch>
+        </p:blipFill>
+        <p:spPr bwMode="auto">
+          <a:xfrm>
+            <a:off x="7435053" y="2501899"/>
+            <a:ext cx="4570037" cy="3046691"/>
+          </a:xfrm>
+          <a:prstGeom prst="rect">
+            <a:avLst/>
+          </a:prstGeom>
+          <a:noFill/>
+          <a:extLst>
+            <a:ext uri="{909E8E84-426E-40DD-AFC4-6F175D3DCCD1}">
+              <a14:hiddenFill xmlns:a14="http://schemas.microsoft.com/office/drawing/2010/main">
+                <a:solidFill>
+                  <a:srgbClr val="FFFFFF"/>
+                </a:solidFill>
+              </a14:hiddenFill>
+            </a:ext>
+          </a:extLst>
+        </p:spPr>
+      </p:pic>
+    </p:spTree>
+    <p:extLst>
+      <p:ext uri="{BB962C8B-B14F-4D97-AF65-F5344CB8AC3E}">
+        <p14:creationId xmlns:p14="http://schemas.microsoft.com/office/powerpoint/2010/main" val="2711927177"/>
       </p:ext>
     </p:extLst>
   </p:cSld>
